--- a/EE/ppt/CAMR Coded Aggregated MapReduce.pptx
+++ b/EE/ppt/CAMR Coded Aggregated MapReduce.pptx
@@ -225,7 +225,7 @@
           <a:p>
             <a:fld id="{0D192E67-DB73-4CBE-9853-17C6FD70389C}" type="datetimeFigureOut">
               <a:rPr lang="zh-CN" altLang="en-US" smtClean="0"/>
-              <a:t>2019/10/19</a:t>
+              <a:t>2019/11/4</a:t>
             </a:fld>
             <a:endParaRPr lang="zh-CN" altLang="en-US"/>
           </a:p>
@@ -622,7 +622,7 @@
           <a:p>
             <a:fld id="{256367BE-FCF9-4078-A470-30B7DC5F97E0}" type="datetimeFigureOut">
               <a:rPr lang="zh-CN" altLang="en-US" smtClean="0"/>
-              <a:t>2019/10/19</a:t>
+              <a:t>2019/11/4</a:t>
             </a:fld>
             <a:endParaRPr lang="zh-CN" altLang="en-US"/>
           </a:p>
@@ -790,7 +790,7 @@
           <a:p>
             <a:fld id="{256367BE-FCF9-4078-A470-30B7DC5F97E0}" type="datetimeFigureOut">
               <a:rPr lang="zh-CN" altLang="en-US" smtClean="0"/>
-              <a:t>2019/10/19</a:t>
+              <a:t>2019/11/4</a:t>
             </a:fld>
             <a:endParaRPr lang="zh-CN" altLang="en-US"/>
           </a:p>
@@ -968,7 +968,7 @@
           <a:p>
             <a:fld id="{256367BE-FCF9-4078-A470-30B7DC5F97E0}" type="datetimeFigureOut">
               <a:rPr lang="zh-CN" altLang="en-US" smtClean="0"/>
-              <a:t>2019/10/19</a:t>
+              <a:t>2019/11/4</a:t>
             </a:fld>
             <a:endParaRPr lang="zh-CN" altLang="en-US"/>
           </a:p>
@@ -1136,7 +1136,7 @@
           <a:p>
             <a:fld id="{256367BE-FCF9-4078-A470-30B7DC5F97E0}" type="datetimeFigureOut">
               <a:rPr lang="zh-CN" altLang="en-US" smtClean="0"/>
-              <a:t>2019/10/19</a:t>
+              <a:t>2019/11/4</a:t>
             </a:fld>
             <a:endParaRPr lang="zh-CN" altLang="en-US"/>
           </a:p>
@@ -1388,7 +1388,7 @@
           <a:p>
             <a:fld id="{256367BE-FCF9-4078-A470-30B7DC5F97E0}" type="datetimeFigureOut">
               <a:rPr lang="zh-CN" altLang="en-US" smtClean="0"/>
-              <a:t>2019/10/19</a:t>
+              <a:t>2019/11/4</a:t>
             </a:fld>
             <a:endParaRPr lang="zh-CN" altLang="en-US"/>
           </a:p>
@@ -1617,7 +1617,7 @@
           <a:p>
             <a:fld id="{256367BE-FCF9-4078-A470-30B7DC5F97E0}" type="datetimeFigureOut">
               <a:rPr lang="zh-CN" altLang="en-US" smtClean="0"/>
-              <a:t>2019/10/19</a:t>
+              <a:t>2019/11/4</a:t>
             </a:fld>
             <a:endParaRPr lang="zh-CN" altLang="en-US"/>
           </a:p>
@@ -1981,7 +1981,7 @@
           <a:p>
             <a:fld id="{256367BE-FCF9-4078-A470-30B7DC5F97E0}" type="datetimeFigureOut">
               <a:rPr lang="zh-CN" altLang="en-US" smtClean="0"/>
-              <a:t>2019/10/19</a:t>
+              <a:t>2019/11/4</a:t>
             </a:fld>
             <a:endParaRPr lang="zh-CN" altLang="en-US"/>
           </a:p>
@@ -2098,7 +2098,7 @@
           <a:p>
             <a:fld id="{256367BE-FCF9-4078-A470-30B7DC5F97E0}" type="datetimeFigureOut">
               <a:rPr lang="zh-CN" altLang="en-US" smtClean="0"/>
-              <a:t>2019/10/19</a:t>
+              <a:t>2019/11/4</a:t>
             </a:fld>
             <a:endParaRPr lang="zh-CN" altLang="en-US"/>
           </a:p>
@@ -2193,7 +2193,7 @@
           <a:p>
             <a:fld id="{256367BE-FCF9-4078-A470-30B7DC5F97E0}" type="datetimeFigureOut">
               <a:rPr lang="zh-CN" altLang="en-US" smtClean="0"/>
-              <a:t>2019/10/19</a:t>
+              <a:t>2019/11/4</a:t>
             </a:fld>
             <a:endParaRPr lang="zh-CN" altLang="en-US"/>
           </a:p>
@@ -2468,7 +2468,7 @@
           <a:p>
             <a:fld id="{256367BE-FCF9-4078-A470-30B7DC5F97E0}" type="datetimeFigureOut">
               <a:rPr lang="zh-CN" altLang="en-US" smtClean="0"/>
-              <a:t>2019/10/19</a:t>
+              <a:t>2019/11/4</a:t>
             </a:fld>
             <a:endParaRPr lang="zh-CN" altLang="en-US"/>
           </a:p>
@@ -2720,7 +2720,7 @@
           <a:p>
             <a:fld id="{256367BE-FCF9-4078-A470-30B7DC5F97E0}" type="datetimeFigureOut">
               <a:rPr lang="zh-CN" altLang="en-US" smtClean="0"/>
-              <a:t>2019/10/19</a:t>
+              <a:t>2019/11/4</a:t>
             </a:fld>
             <a:endParaRPr lang="zh-CN" altLang="en-US"/>
           </a:p>
@@ -2931,7 +2931,7 @@
           <a:p>
             <a:fld id="{256367BE-FCF9-4078-A470-30B7DC5F97E0}" type="datetimeFigureOut">
               <a:rPr lang="zh-CN" altLang="en-US" smtClean="0"/>
-              <a:t>2019/10/19</a:t>
+              <a:t>2019/11/4</a:t>
             </a:fld>
             <a:endParaRPr lang="zh-CN" altLang="en-US"/>
           </a:p>
@@ -3504,11 +3504,7 @@
             </a:r>
             <a:r>
               <a:rPr lang="en-US" altLang="zh-CN" sz="2400" dirty="0"/>
-              <a:t>DESCRIPTION OF THE </a:t>
-            </a:r>
-            <a:r>
-              <a:rPr lang="en-US" altLang="zh-CN" sz="2400" dirty="0"/>
-              <a:t>CAMR </a:t>
+              <a:t>DESCRIPTION OF THE CAMR </a:t>
             </a:r>
             <a:r>
               <a:rPr lang="en-US" altLang="zh-CN" sz="2400" dirty="0" smtClean="0"/>
@@ -3522,8 +3518,8 @@
           </a:p>
         </p:txBody>
       </p:sp>
-      <mc:AlternateContent xmlns:mc="http://schemas.openxmlformats.org/markup-compatibility/2006">
-        <mc:Choice xmlns:a14="http://schemas.microsoft.com/office/drawing/2010/main" Requires="a14">
+      <mc:AlternateContent xmlns:mc="http://schemas.openxmlformats.org/markup-compatibility/2006" xmlns:a14="http://schemas.microsoft.com/office/drawing/2010/main">
+        <mc:Choice Requires="a14">
           <p:sp>
             <p:nvSpPr>
               <p:cNvPr id="24" name="文本框 23"/>
@@ -3743,25 +3739,21 @@
                 <a:endParaRPr lang="en-US" altLang="zh-CN" dirty="0"/>
               </a:p>
               <a:p>
-                <a:pPr/>
                 <a:endParaRPr lang="en-US" altLang="zh-CN" dirty="0" smtClean="0"/>
               </a:p>
               <a:p>
-                <a:pPr/>
                 <a:endParaRPr lang="en-US" altLang="zh-CN" dirty="0" smtClean="0"/>
               </a:p>
               <a:p>
-                <a:pPr/>
                 <a:endParaRPr lang="en-US" altLang="zh-CN" dirty="0"/>
               </a:p>
               <a:p>
-                <a:pPr/>
                 <a:endParaRPr lang="en-US" altLang="zh-CN" dirty="0"/>
               </a:p>
             </p:txBody>
           </p:sp>
         </mc:Choice>
-        <mc:Fallback>
+        <mc:Fallback xmlns="">
           <p:sp>
             <p:nvSpPr>
               <p:cNvPr id="24" name="文本框 23"/>
@@ -3917,11 +3909,7 @@
             </a:r>
             <a:r>
               <a:rPr lang="en-US" altLang="zh-CN" sz="2400" dirty="0"/>
-              <a:t>DESCRIPTION OF THE </a:t>
-            </a:r>
-            <a:r>
-              <a:rPr lang="en-US" altLang="zh-CN" sz="2400" dirty="0"/>
-              <a:t>CAMR </a:t>
+              <a:t>DESCRIPTION OF THE CAMR </a:t>
             </a:r>
             <a:r>
               <a:rPr lang="en-US" altLang="zh-CN" sz="2400" dirty="0" smtClean="0"/>
@@ -3931,8 +3919,8 @@
           </a:p>
         </p:txBody>
       </p:sp>
-      <mc:AlternateContent xmlns:mc="http://schemas.openxmlformats.org/markup-compatibility/2006">
-        <mc:Choice xmlns:a14="http://schemas.microsoft.com/office/drawing/2010/main" Requires="a14">
+      <mc:AlternateContent xmlns:mc="http://schemas.openxmlformats.org/markup-compatibility/2006" xmlns:a14="http://schemas.microsoft.com/office/drawing/2010/main">
+        <mc:Choice Requires="a14">
           <p:sp>
             <p:nvSpPr>
               <p:cNvPr id="24" name="文本框 23"/>
@@ -3955,7 +3943,6 @@
               </a:bodyPr>
               <a:lstStyle/>
               <a:p>
-                <a:pPr/>
                 <a:r>
                   <a:rPr lang="en-US" altLang="zh-CN" dirty="0" smtClean="0"/>
                   <a:t>K=Q=6  N=6</a:t>
@@ -4249,7 +4236,6 @@
                 <a:endParaRPr lang="en-US" altLang="zh-CN" dirty="0" smtClean="0"/>
               </a:p>
               <a:p>
-                <a:pPr/>
                 <a:r>
                   <a:rPr lang="zh-CN" altLang="en-US" dirty="0">
                     <a:solidFill>
@@ -4316,7 +4302,6 @@
                 </a:r>
               </a:p>
               <a:p>
-                <a:pPr/>
                 <a:r>
                   <a:rPr lang="zh-CN" altLang="en-US" dirty="0" smtClean="0">
                     <a:solidFill>
@@ -4383,7 +4368,6 @@
                 </a:r>
               </a:p>
               <a:p>
-                <a:pPr/>
                 <a:r>
                   <a:rPr lang="zh-CN" altLang="en-US" dirty="0" smtClean="0">
                     <a:solidFill>
@@ -4450,7 +4434,6 @@
                 </a:r>
               </a:p>
               <a:p>
-                <a:pPr/>
                 <a:endParaRPr lang="en-US" altLang="zh-CN" dirty="0">
                   <a:solidFill>
                     <a:srgbClr val="00B050"/>
@@ -4458,7 +4441,6 @@
                 </a:endParaRPr>
               </a:p>
               <a:p>
-                <a:pPr/>
                 <a:r>
                   <a:rPr lang="en-US" altLang="zh-CN" dirty="0" smtClean="0"/>
                   <a:t>μ=k-1/K=1/3</a:t>
@@ -4466,17 +4448,15 @@
                 <a:endParaRPr lang="en-US" altLang="zh-CN" dirty="0"/>
               </a:p>
               <a:p>
-                <a:pPr/>
                 <a:endParaRPr lang="en-US" altLang="zh-CN" dirty="0"/>
               </a:p>
               <a:p>
-                <a:pPr/>
                 <a:endParaRPr lang="en-US" altLang="zh-CN" dirty="0"/>
               </a:p>
             </p:txBody>
           </p:sp>
         </mc:Choice>
-        <mc:Fallback>
+        <mc:Fallback xmlns="">
           <p:sp>
             <p:nvSpPr>
               <p:cNvPr id="24" name="文本框 23"/>
@@ -5297,11 +5277,7 @@
             </a:r>
             <a:r>
               <a:rPr lang="en-US" altLang="zh-CN" sz="2400" dirty="0"/>
-              <a:t>DESCRIPTION OF THE </a:t>
-            </a:r>
-            <a:r>
-              <a:rPr lang="en-US" altLang="zh-CN" sz="2400" dirty="0"/>
-              <a:t>CAMR SCHEME(Shuffle </a:t>
+              <a:t>DESCRIPTION OF THE CAMR SCHEME(Shuffle </a:t>
             </a:r>
             <a:r>
               <a:rPr lang="en-US" altLang="zh-CN" sz="2400" dirty="0" smtClean="0"/>
@@ -5333,15 +5309,12 @@
           </a:bodyPr>
           <a:lstStyle/>
           <a:p>
-            <a:pPr/>
             <a:endParaRPr lang="en-US" altLang="zh-CN" b="1" dirty="0" smtClean="0"/>
           </a:p>
           <a:p>
-            <a:pPr/>
             <a:endParaRPr lang="en-US" altLang="zh-CN" b="1" dirty="0"/>
           </a:p>
           <a:p>
-            <a:pPr/>
             <a:r>
               <a:rPr lang="en-US" altLang="zh-CN" b="1" dirty="0" smtClean="0"/>
               <a:t>3</a:t>
@@ -5356,11 +5329,9 @@
             </a:r>
           </a:p>
           <a:p>
-            <a:pPr/>
             <a:endParaRPr lang="en-US" altLang="zh-CN" b="1" dirty="0" smtClean="0"/>
           </a:p>
           <a:p>
-            <a:pPr/>
             <a:endParaRPr lang="en-US" altLang="zh-CN" dirty="0"/>
           </a:p>
           <a:p>
@@ -5485,11 +5456,7 @@
             </a:r>
             <a:r>
               <a:rPr lang="en-US" altLang="zh-CN" sz="2400" dirty="0"/>
-              <a:t>DESCRIPTION OF THE </a:t>
-            </a:r>
-            <a:r>
-              <a:rPr lang="en-US" altLang="zh-CN" sz="2400" dirty="0"/>
-              <a:t>CAMR SCHEME(Shuffle </a:t>
+              <a:t>DESCRIPTION OF THE CAMR SCHEME(Shuffle </a:t>
             </a:r>
             <a:r>
               <a:rPr lang="en-US" altLang="zh-CN" sz="2400" dirty="0" smtClean="0"/>
@@ -5499,8 +5466,8 @@
           </a:p>
         </p:txBody>
       </p:sp>
-      <mc:AlternateContent xmlns:mc="http://schemas.openxmlformats.org/markup-compatibility/2006">
-        <mc:Choice xmlns:a14="http://schemas.microsoft.com/office/drawing/2010/main" Requires="a14">
+      <mc:AlternateContent xmlns:mc="http://schemas.openxmlformats.org/markup-compatibility/2006" xmlns:a14="http://schemas.microsoft.com/office/drawing/2010/main">
+        <mc:Choice Requires="a14">
           <p:sp>
             <p:nvSpPr>
               <p:cNvPr id="24" name="文本框 23"/>
@@ -5523,7 +5490,6 @@
               </a:bodyPr>
               <a:lstStyle/>
               <a:p>
-                <a:pPr/>
                 <a:r>
                   <a:rPr lang="en-US" altLang="zh-CN" b="1" dirty="0" smtClean="0"/>
                   <a:t>Stage1</a:t>
@@ -5543,18 +5509,15 @@
                 <a:endParaRPr lang="en-US" altLang="zh-CN" b="1" dirty="0" smtClean="0"/>
               </a:p>
               <a:p>
-                <a:pPr/>
                 <a:endParaRPr lang="en-US" altLang="zh-CN" dirty="0" smtClean="0"/>
               </a:p>
               <a:p>
-                <a:pPr/>
                 <a:r>
                   <a:rPr lang="en-US" altLang="zh-CN" dirty="0" smtClean="0"/>
                   <a:t>Example</a:t>
                 </a:r>
               </a:p>
               <a:p>
-                <a:pPr/>
                 <a:r>
                   <a:rPr lang="en-US" altLang="zh-CN" dirty="0"/>
                   <a:t>K=Q=6  </a:t>
@@ -5565,7 +5528,6 @@
                 </a:r>
               </a:p>
               <a:p>
-                <a:pPr/>
                 <a:r>
                   <a:rPr lang="zh-CN" altLang="en-US" dirty="0" smtClean="0"/>
                   <a:t>考虑</a:t>
@@ -5717,11 +5679,9 @@
                 </a:r>
               </a:p>
               <a:p>
-                <a:pPr/>
                 <a:endParaRPr lang="en-US" altLang="zh-CN" dirty="0"/>
               </a:p>
               <a:p>
-                <a:pPr/>
                 <a:r>
                   <a:rPr lang="zh-CN" altLang="en-US" dirty="0" smtClean="0"/>
                   <a:t>考虑</a:t>
@@ -5863,7 +5823,6 @@
                 <a:endParaRPr lang="en-US" altLang="zh-CN" dirty="0" smtClean="0"/>
               </a:p>
               <a:p>
-                <a:pPr/>
                 <a:endParaRPr lang="en-US" altLang="zh-CN" dirty="0" smtClean="0"/>
               </a:p>
               <a:p>
@@ -5979,7 +5938,6 @@
                 <a:endParaRPr lang="en-US" altLang="zh-CN" dirty="0"/>
               </a:p>
               <a:p>
-                <a:pPr/>
                 <a:endParaRPr lang="en-US" altLang="zh-CN" dirty="0"/>
               </a:p>
               <a:p>
@@ -6004,7 +5962,7 @@
             </p:txBody>
           </p:sp>
         </mc:Choice>
-        <mc:Fallback>
+        <mc:Fallback xmlns="">
           <p:sp>
             <p:nvSpPr>
               <p:cNvPr id="24" name="文本框 23"/>
@@ -6875,11 +6833,7 @@
             </a:r>
             <a:r>
               <a:rPr lang="en-US" altLang="zh-CN" sz="2400" dirty="0"/>
-              <a:t>DESCRIPTION OF THE </a:t>
-            </a:r>
-            <a:r>
-              <a:rPr lang="en-US" altLang="zh-CN" sz="2400" dirty="0"/>
-              <a:t>CAMR SCHEME(Shuffle </a:t>
+              <a:t>DESCRIPTION OF THE CAMR SCHEME(Shuffle </a:t>
             </a:r>
             <a:r>
               <a:rPr lang="en-US" altLang="zh-CN" sz="2400" dirty="0" smtClean="0"/>
@@ -6889,8 +6843,8 @@
           </a:p>
         </p:txBody>
       </p:sp>
-      <mc:AlternateContent xmlns:mc="http://schemas.openxmlformats.org/markup-compatibility/2006">
-        <mc:Choice xmlns:a14="http://schemas.microsoft.com/office/drawing/2010/main" Requires="a14">
+      <mc:AlternateContent xmlns:mc="http://schemas.openxmlformats.org/markup-compatibility/2006" xmlns:a14="http://schemas.microsoft.com/office/drawing/2010/main">
+        <mc:Choice Requires="a14">
           <p:sp>
             <p:nvSpPr>
               <p:cNvPr id="24" name="文本框 23"/>
@@ -6913,7 +6867,6 @@
               </a:bodyPr>
               <a:lstStyle/>
               <a:p>
-                <a:pPr/>
                 <a:r>
                   <a:rPr lang="en-US" altLang="zh-CN" b="1" dirty="0" smtClean="0"/>
                   <a:t>Stage2</a:t>
@@ -6933,22 +6886,18 @@
                 <a:endParaRPr lang="en-US" altLang="zh-CN" b="1" dirty="0" smtClean="0"/>
               </a:p>
               <a:p>
-                <a:pPr/>
                 <a:endParaRPr lang="en-US" altLang="zh-CN" dirty="0" smtClean="0"/>
               </a:p>
               <a:p>
-                <a:pPr/>
                 <a:endParaRPr lang="en-US" altLang="zh-CN" dirty="0" smtClean="0"/>
               </a:p>
               <a:p>
-                <a:pPr/>
                 <a:r>
                   <a:rPr lang="en-US" altLang="zh-CN" dirty="0" smtClean="0"/>
                   <a:t>Example</a:t>
                 </a:r>
               </a:p>
               <a:p>
-                <a:pPr/>
                 <a:r>
                   <a:rPr lang="en-US" altLang="zh-CN" dirty="0"/>
                   <a:t>K=Q=6  </a:t>
@@ -6959,23 +6908,18 @@
                 </a:r>
               </a:p>
               <a:p>
-                <a:pPr/>
                 <a:endParaRPr lang="en-US" altLang="zh-CN" dirty="0"/>
               </a:p>
               <a:p>
-                <a:pPr/>
                 <a:endParaRPr lang="en-US" altLang="zh-CN" dirty="0" smtClean="0"/>
               </a:p>
               <a:p>
-                <a:pPr/>
                 <a:endParaRPr lang="en-US" altLang="zh-CN" dirty="0"/>
               </a:p>
               <a:p>
-                <a:pPr/>
                 <a:endParaRPr lang="en-US" altLang="zh-CN" dirty="0" smtClean="0"/>
               </a:p>
               <a:p>
-                <a:pPr/>
                 <a:r>
                   <a:rPr lang="zh-CN" altLang="en-US" dirty="0" smtClean="0"/>
                   <a:t>考虑其他的用户集合，它是</a:t>
@@ -6999,7 +6943,6 @@
                 <a:endParaRPr lang="en-US" altLang="zh-CN" dirty="0" smtClean="0"/>
               </a:p>
               <a:p>
-                <a:pPr/>
                 <a:r>
                   <a:rPr lang="zh-CN" altLang="en-US" dirty="0" smtClean="0"/>
                   <a:t>比如考虑</a:t>
@@ -7038,31 +6981,24 @@
                 </a:r>
               </a:p>
               <a:p>
-                <a:pPr/>
                 <a:endParaRPr lang="en-US" altLang="zh-CN" dirty="0"/>
               </a:p>
               <a:p>
-                <a:pPr/>
                 <a:endParaRPr lang="en-US" altLang="zh-CN" dirty="0" smtClean="0"/>
               </a:p>
               <a:p>
-                <a:pPr/>
                 <a:endParaRPr lang="en-US" altLang="zh-CN" dirty="0"/>
               </a:p>
               <a:p>
-                <a:pPr/>
                 <a:endParaRPr lang="en-US" altLang="zh-CN" dirty="0" smtClean="0"/>
               </a:p>
               <a:p>
-                <a:pPr/>
                 <a:endParaRPr lang="en-US" altLang="zh-CN" dirty="0"/>
               </a:p>
               <a:p>
-                <a:pPr/>
                 <a:endParaRPr lang="en-US" altLang="zh-CN" dirty="0" smtClean="0"/>
               </a:p>
               <a:p>
-                <a:pPr/>
                 <a:endParaRPr lang="en-US" altLang="zh-CN" dirty="0"/>
               </a:p>
               <a:p>
@@ -7178,17 +7114,15 @@
                 <a:endParaRPr lang="en-US" altLang="zh-CN" dirty="0" smtClean="0"/>
               </a:p>
               <a:p>
-                <a:pPr/>
                 <a:endParaRPr lang="en-US" altLang="zh-CN" dirty="0"/>
               </a:p>
               <a:p>
-                <a:pPr/>
                 <a:endParaRPr lang="en-US" altLang="zh-CN" dirty="0"/>
               </a:p>
             </p:txBody>
           </p:sp>
         </mc:Choice>
-        <mc:Fallback>
+        <mc:Fallback xmlns="">
           <p:sp>
             <p:nvSpPr>
               <p:cNvPr id="24" name="文本框 23"/>
@@ -7291,8 +7225,1088 @@
         </p:blipFill>
         <p:spPr>
           <a:xfrm>
-            <a:off x="344175" y="3852966"/>
+            <a:off x="358753" y="3844174"/>
             <a:ext cx="6714286" cy="1666667"/>
+          </a:xfrm>
+          <a:prstGeom prst="rect">
+            <a:avLst/>
+          </a:prstGeom>
+        </p:spPr>
+      </p:pic>
+      <p:sp>
+        <p:nvSpPr>
+          <p:cNvPr id="3" name="椭圆 2"/>
+          <p:cNvSpPr/>
+          <p:nvPr/>
+        </p:nvSpPr>
+        <p:spPr>
+          <a:xfrm>
+            <a:off x="7367955" y="1204546"/>
+            <a:ext cx="457200" cy="219808"/>
+          </a:xfrm>
+          <a:prstGeom prst="ellipse">
+            <a:avLst/>
+          </a:prstGeom>
+          <a:noFill/>
+          <a:ln w="19050">
+            <a:solidFill>
+              <a:srgbClr val="FF0000"/>
+            </a:solidFill>
+          </a:ln>
+        </p:spPr>
+        <p:style>
+          <a:lnRef idx="2">
+            <a:schemeClr val="accent1">
+              <a:shade val="50000"/>
+            </a:schemeClr>
+          </a:lnRef>
+          <a:fillRef idx="1">
+            <a:schemeClr val="accent1"/>
+          </a:fillRef>
+          <a:effectRef idx="0">
+            <a:schemeClr val="accent1"/>
+          </a:effectRef>
+          <a:fontRef idx="minor">
+            <a:schemeClr val="lt1"/>
+          </a:fontRef>
+        </p:style>
+        <p:txBody>
+          <a:bodyPr rtlCol="0" anchor="ctr"/>
+          <a:lstStyle/>
+          <a:p>
+            <a:pPr algn="ctr"/>
+            <a:endParaRPr lang="zh-CN" altLang="en-US"/>
+          </a:p>
+        </p:txBody>
+      </p:sp>
+      <p:sp>
+        <p:nvSpPr>
+          <p:cNvPr id="8" name="椭圆 7"/>
+          <p:cNvSpPr/>
+          <p:nvPr/>
+        </p:nvSpPr>
+        <p:spPr>
+          <a:xfrm>
+            <a:off x="7998654" y="1204546"/>
+            <a:ext cx="457200" cy="219808"/>
+          </a:xfrm>
+          <a:prstGeom prst="ellipse">
+            <a:avLst/>
+          </a:prstGeom>
+          <a:noFill/>
+          <a:ln w="19050">
+            <a:solidFill>
+              <a:srgbClr val="FF0000"/>
+            </a:solidFill>
+          </a:ln>
+        </p:spPr>
+        <p:style>
+          <a:lnRef idx="2">
+            <a:schemeClr val="accent1">
+              <a:shade val="50000"/>
+            </a:schemeClr>
+          </a:lnRef>
+          <a:fillRef idx="1">
+            <a:schemeClr val="accent1"/>
+          </a:fillRef>
+          <a:effectRef idx="0">
+            <a:schemeClr val="accent1"/>
+          </a:effectRef>
+          <a:fontRef idx="minor">
+            <a:schemeClr val="lt1"/>
+          </a:fontRef>
+        </p:style>
+        <p:txBody>
+          <a:bodyPr rtlCol="0" anchor="ctr"/>
+          <a:lstStyle/>
+          <a:p>
+            <a:pPr algn="ctr"/>
+            <a:endParaRPr lang="zh-CN" altLang="en-US"/>
+          </a:p>
+        </p:txBody>
+      </p:sp>
+      <p:sp>
+        <p:nvSpPr>
+          <p:cNvPr id="9" name="椭圆 8"/>
+          <p:cNvSpPr/>
+          <p:nvPr/>
+        </p:nvSpPr>
+        <p:spPr>
+          <a:xfrm>
+            <a:off x="1594339" y="4292046"/>
+            <a:ext cx="1658816" cy="260195"/>
+          </a:xfrm>
+          <a:prstGeom prst="ellipse">
+            <a:avLst/>
+          </a:prstGeom>
+          <a:noFill/>
+          <a:ln w="19050">
+            <a:solidFill>
+              <a:srgbClr val="FF0000"/>
+            </a:solidFill>
+          </a:ln>
+        </p:spPr>
+        <p:style>
+          <a:lnRef idx="2">
+            <a:schemeClr val="accent1">
+              <a:shade val="50000"/>
+            </a:schemeClr>
+          </a:lnRef>
+          <a:fillRef idx="1">
+            <a:schemeClr val="accent1"/>
+          </a:fillRef>
+          <a:effectRef idx="0">
+            <a:schemeClr val="accent1"/>
+          </a:effectRef>
+          <a:fontRef idx="minor">
+            <a:schemeClr val="lt1"/>
+          </a:fontRef>
+        </p:style>
+        <p:txBody>
+          <a:bodyPr rtlCol="0" anchor="ctr"/>
+          <a:lstStyle/>
+          <a:p>
+            <a:pPr algn="ctr"/>
+            <a:endParaRPr lang="zh-CN" altLang="en-US"/>
+          </a:p>
+        </p:txBody>
+      </p:sp>
+      <p:sp>
+        <p:nvSpPr>
+          <p:cNvPr id="10" name="椭圆 9"/>
+          <p:cNvSpPr/>
+          <p:nvPr/>
+        </p:nvSpPr>
+        <p:spPr>
+          <a:xfrm>
+            <a:off x="1594339" y="4652531"/>
+            <a:ext cx="1658816" cy="260195"/>
+          </a:xfrm>
+          <a:prstGeom prst="ellipse">
+            <a:avLst/>
+          </a:prstGeom>
+          <a:noFill/>
+          <a:ln w="19050">
+            <a:solidFill>
+              <a:srgbClr val="FF0000"/>
+            </a:solidFill>
+          </a:ln>
+        </p:spPr>
+        <p:style>
+          <a:lnRef idx="2">
+            <a:schemeClr val="accent1">
+              <a:shade val="50000"/>
+            </a:schemeClr>
+          </a:lnRef>
+          <a:fillRef idx="1">
+            <a:schemeClr val="accent1"/>
+          </a:fillRef>
+          <a:effectRef idx="0">
+            <a:schemeClr val="accent1"/>
+          </a:effectRef>
+          <a:fontRef idx="minor">
+            <a:schemeClr val="lt1"/>
+          </a:fontRef>
+        </p:style>
+        <p:txBody>
+          <a:bodyPr rtlCol="0" anchor="ctr"/>
+          <a:lstStyle/>
+          <a:p>
+            <a:pPr algn="ctr"/>
+            <a:endParaRPr lang="zh-CN" altLang="en-US"/>
+          </a:p>
+        </p:txBody>
+      </p:sp>
+      <mc:AlternateContent xmlns:mc="http://schemas.openxmlformats.org/markup-compatibility/2006" xmlns:a14="http://schemas.microsoft.com/office/drawing/2010/main">
+        <mc:Choice Requires="a14">
+          <p:sp>
+            <p:nvSpPr>
+              <p:cNvPr id="4" name="文本框 3"/>
+              <p:cNvSpPr txBox="1"/>
+              <p:nvPr/>
+            </p:nvSpPr>
+            <p:spPr>
+              <a:xfrm>
+                <a:off x="7825155" y="3844174"/>
+                <a:ext cx="2525738" cy="1796646"/>
+              </a:xfrm>
+              <a:prstGeom prst="rect">
+                <a:avLst/>
+              </a:prstGeom>
+              <a:noFill/>
+            </p:spPr>
+            <p:txBody>
+              <a:bodyPr wrap="square" rtlCol="0">
+                <a:spAutoFit/>
+              </a:bodyPr>
+              <a:lstStyle/>
+              <a:p>
+                <a:r>
+                  <a:rPr lang="zh-CN" altLang="en-US" dirty="0" smtClean="0"/>
+                  <a:t>考虑</a:t>
+                </a:r>
+                <a14:m>
+                  <m:oMath xmlns:m="http://schemas.openxmlformats.org/officeDocument/2006/math">
+                    <m:sSub>
+                      <m:sSubPr>
+                        <m:ctrlPr>
+                          <a:rPr lang="en-US" altLang="zh-CN" i="1" smtClean="0">
+                            <a:latin typeface="Cambria Math" panose="02040503050406030204" pitchFamily="18" charset="0"/>
+                          </a:rPr>
+                        </m:ctrlPr>
+                      </m:sSubPr>
+                      <m:e>
+                        <m:r>
+                          <a:rPr lang="en-US" altLang="zh-CN" b="0" i="1" smtClean="0">
+                            <a:latin typeface="Cambria Math" panose="02040503050406030204" pitchFamily="18" charset="0"/>
+                          </a:rPr>
+                          <m:t>𝑈</m:t>
+                        </m:r>
+                      </m:e>
+                      <m:sub>
+                        <m:r>
+                          <a:rPr lang="en-US" altLang="zh-CN" b="0" i="1" smtClean="0">
+                            <a:latin typeface="Cambria Math" panose="02040503050406030204" pitchFamily="18" charset="0"/>
+                          </a:rPr>
+                          <m:t>1</m:t>
+                        </m:r>
+                      </m:sub>
+                    </m:sSub>
+                    <m:r>
+                      <a:rPr lang="en-US" altLang="zh-CN" b="0" i="1" smtClean="0">
+                        <a:latin typeface="Cambria Math" panose="02040503050406030204" pitchFamily="18" charset="0"/>
+                      </a:rPr>
+                      <m:t>,</m:t>
+                    </m:r>
+                    <m:sSub>
+                      <m:sSubPr>
+                        <m:ctrlPr>
+                          <a:rPr lang="en-US" altLang="zh-CN" i="1">
+                            <a:latin typeface="Cambria Math" panose="02040503050406030204" pitchFamily="18" charset="0"/>
+                          </a:rPr>
+                        </m:ctrlPr>
+                      </m:sSubPr>
+                      <m:e>
+                        <m:r>
+                          <a:rPr lang="en-US" altLang="zh-CN" i="1">
+                            <a:latin typeface="Cambria Math" panose="02040503050406030204" pitchFamily="18" charset="0"/>
+                          </a:rPr>
+                          <m:t>𝑈</m:t>
+                        </m:r>
+                      </m:e>
+                      <m:sub>
+                        <m:r>
+                          <a:rPr lang="en-US" altLang="zh-CN" b="0" i="1" smtClean="0">
+                            <a:latin typeface="Cambria Math" panose="02040503050406030204" pitchFamily="18" charset="0"/>
+                          </a:rPr>
+                          <m:t>3</m:t>
+                        </m:r>
+                      </m:sub>
+                    </m:sSub>
+                  </m:oMath>
+                </a14:m>
+                <a:endParaRPr lang="en-US" altLang="zh-CN" dirty="0" smtClean="0"/>
+              </a:p>
+              <a:p>
+                <a:r>
+                  <a:rPr lang="zh-CN" altLang="en-US" dirty="0" smtClean="0">
+                    <a:solidFill>
+                      <a:srgbClr val="FF0000"/>
+                    </a:solidFill>
+                  </a:rPr>
+                  <a:t>确定</a:t>
+                </a:r>
+                <a14:m>
+                  <m:oMath xmlns:m="http://schemas.openxmlformats.org/officeDocument/2006/math">
+                    <m:sSup>
+                      <m:sSupPr>
+                        <m:ctrlPr>
+                          <a:rPr lang="en-US" altLang="zh-CN" i="1" smtClean="0">
+                            <a:solidFill>
+                              <a:srgbClr val="FF0000"/>
+                            </a:solidFill>
+                            <a:latin typeface="Cambria Math" panose="02040503050406030204" pitchFamily="18" charset="0"/>
+                          </a:rPr>
+                        </m:ctrlPr>
+                      </m:sSupPr>
+                      <m:e>
+                        <m:r>
+                          <a:rPr lang="en-US" altLang="zh-CN" i="1">
+                            <a:solidFill>
+                              <a:srgbClr val="FF0000"/>
+                            </a:solidFill>
+                            <a:latin typeface="Cambria Math" panose="02040503050406030204" pitchFamily="18" charset="0"/>
+                          </a:rPr>
+                          <m:t>3</m:t>
+                        </m:r>
+                      </m:e>
+                      <m:sup>
+                        <m:r>
+                          <a:rPr lang="en-US" altLang="zh-CN" i="1">
+                            <a:solidFill>
+                              <a:srgbClr val="FF0000"/>
+                            </a:solidFill>
+                            <a:latin typeface="Cambria Math" panose="02040503050406030204" pitchFamily="18" charset="0"/>
+                          </a:rPr>
+                          <m:t>1</m:t>
+                        </m:r>
+                      </m:sup>
+                    </m:sSup>
+                    <m:r>
+                      <a:rPr lang="en-US" altLang="zh-CN" b="0" i="1" smtClean="0">
+                        <a:solidFill>
+                          <a:srgbClr val="FF0000"/>
+                        </a:solidFill>
+                        <a:latin typeface="Cambria Math" panose="02040503050406030204" pitchFamily="18" charset="0"/>
+                      </a:rPr>
+                      <m:t>,</m:t>
+                    </m:r>
+                    <m:sSup>
+                      <m:sSupPr>
+                        <m:ctrlPr>
+                          <a:rPr lang="en-US" altLang="zh-CN" i="1">
+                            <a:solidFill>
+                              <a:srgbClr val="FF0000"/>
+                            </a:solidFill>
+                            <a:latin typeface="Cambria Math" panose="02040503050406030204" pitchFamily="18" charset="0"/>
+                          </a:rPr>
+                        </m:ctrlPr>
+                      </m:sSupPr>
+                      <m:e>
+                        <m:r>
+                          <a:rPr lang="en-US" altLang="zh-CN" b="0" i="1" smtClean="0">
+                            <a:solidFill>
+                              <a:srgbClr val="FF0000"/>
+                            </a:solidFill>
+                            <a:latin typeface="Cambria Math" panose="02040503050406030204" pitchFamily="18" charset="0"/>
+                          </a:rPr>
+                          <m:t>4</m:t>
+                        </m:r>
+                      </m:e>
+                      <m:sup>
+                        <m:r>
+                          <a:rPr lang="en-US" altLang="zh-CN" i="1">
+                            <a:solidFill>
+                              <a:srgbClr val="FF0000"/>
+                            </a:solidFill>
+                            <a:latin typeface="Cambria Math" panose="02040503050406030204" pitchFamily="18" charset="0"/>
+                          </a:rPr>
+                          <m:t>1</m:t>
+                        </m:r>
+                      </m:sup>
+                    </m:sSup>
+                  </m:oMath>
+                </a14:m>
+                <a:endParaRPr lang="en-US" altLang="zh-CN" dirty="0" smtClean="0"/>
+              </a:p>
+              <a:p>
+                <a:r>
+                  <a:rPr lang="zh-CN" altLang="en-US" dirty="0" smtClean="0"/>
+                  <a:t>考虑</a:t>
+                </a:r>
+                <a14:m>
+                  <m:oMath xmlns:m="http://schemas.openxmlformats.org/officeDocument/2006/math">
+                    <m:sSub>
+                      <m:sSubPr>
+                        <m:ctrlPr>
+                          <a:rPr lang="en-US" altLang="zh-CN" i="1">
+                            <a:latin typeface="Cambria Math" panose="02040503050406030204" pitchFamily="18" charset="0"/>
+                          </a:rPr>
+                        </m:ctrlPr>
+                      </m:sSubPr>
+                      <m:e>
+                        <m:r>
+                          <a:rPr lang="en-US" altLang="zh-CN" i="1">
+                            <a:latin typeface="Cambria Math" panose="02040503050406030204" pitchFamily="18" charset="0"/>
+                          </a:rPr>
+                          <m:t>𝑈</m:t>
+                        </m:r>
+                      </m:e>
+                      <m:sub>
+                        <m:r>
+                          <a:rPr lang="en-US" altLang="zh-CN" i="1">
+                            <a:latin typeface="Cambria Math" panose="02040503050406030204" pitchFamily="18" charset="0"/>
+                          </a:rPr>
+                          <m:t>1</m:t>
+                        </m:r>
+                      </m:sub>
+                    </m:sSub>
+                    <m:r>
+                      <a:rPr lang="en-US" altLang="zh-CN" i="1">
+                        <a:latin typeface="Cambria Math" panose="02040503050406030204" pitchFamily="18" charset="0"/>
+                      </a:rPr>
+                      <m:t>,</m:t>
+                    </m:r>
+                    <m:sSub>
+                      <m:sSubPr>
+                        <m:ctrlPr>
+                          <a:rPr lang="en-US" altLang="zh-CN" i="1">
+                            <a:latin typeface="Cambria Math" panose="02040503050406030204" pitchFamily="18" charset="0"/>
+                          </a:rPr>
+                        </m:ctrlPr>
+                      </m:sSubPr>
+                      <m:e>
+                        <m:r>
+                          <a:rPr lang="en-US" altLang="zh-CN" i="1">
+                            <a:latin typeface="Cambria Math" panose="02040503050406030204" pitchFamily="18" charset="0"/>
+                          </a:rPr>
+                          <m:t>𝑈</m:t>
+                        </m:r>
+                      </m:e>
+                      <m:sub>
+                        <m:r>
+                          <a:rPr lang="en-US" altLang="zh-CN" i="1">
+                            <a:latin typeface="Cambria Math" panose="02040503050406030204" pitchFamily="18" charset="0"/>
+                          </a:rPr>
+                          <m:t>6</m:t>
+                        </m:r>
+                      </m:sub>
+                    </m:sSub>
+                  </m:oMath>
+                </a14:m>
+                <a:endParaRPr lang="en-US" altLang="zh-CN" dirty="0" smtClean="0"/>
+              </a:p>
+              <a:p>
+                <a:r>
+                  <a:rPr lang="zh-CN" altLang="en-US" dirty="0" smtClean="0">
+                    <a:solidFill>
+                      <a:srgbClr val="0070C0"/>
+                    </a:solidFill>
+                  </a:rPr>
+                  <a:t>确定</a:t>
+                </a:r>
+                <a14:m>
+                  <m:oMath xmlns:m="http://schemas.openxmlformats.org/officeDocument/2006/math">
+                    <m:sSup>
+                      <m:sSupPr>
+                        <m:ctrlPr>
+                          <a:rPr lang="en-US" altLang="zh-CN" i="1">
+                            <a:solidFill>
+                              <a:srgbClr val="0070C0"/>
+                            </a:solidFill>
+                            <a:latin typeface="Cambria Math" panose="02040503050406030204" pitchFamily="18" charset="0"/>
+                          </a:rPr>
+                        </m:ctrlPr>
+                      </m:sSupPr>
+                      <m:e>
+                        <m:r>
+                          <a:rPr lang="en-US" altLang="zh-CN" i="1" smtClean="0">
+                            <a:solidFill>
+                              <a:srgbClr val="0070C0"/>
+                            </a:solidFill>
+                            <a:latin typeface="Cambria Math" panose="02040503050406030204" pitchFamily="18" charset="0"/>
+                          </a:rPr>
+                          <m:t>1</m:t>
+                        </m:r>
+                      </m:e>
+                      <m:sup>
+                        <m:r>
+                          <a:rPr lang="en-US" altLang="zh-CN" i="1">
+                            <a:solidFill>
+                              <a:srgbClr val="0070C0"/>
+                            </a:solidFill>
+                            <a:latin typeface="Cambria Math" panose="02040503050406030204" pitchFamily="18" charset="0"/>
+                          </a:rPr>
+                          <m:t>2</m:t>
+                        </m:r>
+                      </m:sup>
+                    </m:sSup>
+                    <m:r>
+                      <a:rPr lang="en-US" altLang="zh-CN" i="1">
+                        <a:solidFill>
+                          <a:srgbClr val="0070C0"/>
+                        </a:solidFill>
+                        <a:latin typeface="Cambria Math" panose="02040503050406030204" pitchFamily="18" charset="0"/>
+                      </a:rPr>
+                      <m:t>,</m:t>
+                    </m:r>
+                    <m:sSup>
+                      <m:sSupPr>
+                        <m:ctrlPr>
+                          <a:rPr lang="en-US" altLang="zh-CN" i="1">
+                            <a:solidFill>
+                              <a:srgbClr val="0070C0"/>
+                            </a:solidFill>
+                            <a:latin typeface="Cambria Math" panose="02040503050406030204" pitchFamily="18" charset="0"/>
+                          </a:rPr>
+                        </m:ctrlPr>
+                      </m:sSupPr>
+                      <m:e>
+                        <m:r>
+                          <a:rPr lang="en-US" altLang="zh-CN" i="1">
+                            <a:solidFill>
+                              <a:srgbClr val="0070C0"/>
+                            </a:solidFill>
+                            <a:latin typeface="Cambria Math" panose="02040503050406030204" pitchFamily="18" charset="0"/>
+                          </a:rPr>
+                          <m:t>2</m:t>
+                        </m:r>
+                      </m:e>
+                      <m:sup>
+                        <m:r>
+                          <a:rPr lang="en-US" altLang="zh-CN" b="0" i="1" smtClean="0">
+                            <a:solidFill>
+                              <a:srgbClr val="0070C0"/>
+                            </a:solidFill>
+                            <a:latin typeface="Cambria Math" panose="02040503050406030204" pitchFamily="18" charset="0"/>
+                          </a:rPr>
+                          <m:t>2</m:t>
+                        </m:r>
+                      </m:sup>
+                    </m:sSup>
+                  </m:oMath>
+                </a14:m>
+                <a:endParaRPr lang="en-US" altLang="zh-CN" dirty="0" smtClean="0">
+                  <a:solidFill>
+                    <a:srgbClr val="0070C0"/>
+                  </a:solidFill>
+                </a:endParaRPr>
+              </a:p>
+              <a:p>
+                <a:r>
+                  <a:rPr lang="zh-CN" altLang="en-US" dirty="0" smtClean="0"/>
+                  <a:t>考虑</a:t>
+                </a:r>
+                <a14:m>
+                  <m:oMath xmlns:m="http://schemas.openxmlformats.org/officeDocument/2006/math">
+                    <m:sSub>
+                      <m:sSubPr>
+                        <m:ctrlPr>
+                          <a:rPr lang="en-US" altLang="zh-CN" i="1">
+                            <a:latin typeface="Cambria Math" panose="02040503050406030204" pitchFamily="18" charset="0"/>
+                          </a:rPr>
+                        </m:ctrlPr>
+                      </m:sSubPr>
+                      <m:e>
+                        <m:r>
+                          <a:rPr lang="en-US" altLang="zh-CN" i="1">
+                            <a:latin typeface="Cambria Math" panose="02040503050406030204" pitchFamily="18" charset="0"/>
+                          </a:rPr>
+                          <m:t>𝑈</m:t>
+                        </m:r>
+                      </m:e>
+                      <m:sub>
+                        <m:r>
+                          <a:rPr lang="en-US" altLang="zh-CN" i="1">
+                            <a:latin typeface="Cambria Math" panose="02040503050406030204" pitchFamily="18" charset="0"/>
+                          </a:rPr>
+                          <m:t>3</m:t>
+                        </m:r>
+                      </m:sub>
+                    </m:sSub>
+                    <m:r>
+                      <a:rPr lang="en-US" altLang="zh-CN" i="1">
+                        <a:latin typeface="Cambria Math" panose="02040503050406030204" pitchFamily="18" charset="0"/>
+                      </a:rPr>
+                      <m:t>,</m:t>
+                    </m:r>
+                    <m:sSub>
+                      <m:sSubPr>
+                        <m:ctrlPr>
+                          <a:rPr lang="en-US" altLang="zh-CN" i="1">
+                            <a:latin typeface="Cambria Math" panose="02040503050406030204" pitchFamily="18" charset="0"/>
+                          </a:rPr>
+                        </m:ctrlPr>
+                      </m:sSubPr>
+                      <m:e>
+                        <m:r>
+                          <a:rPr lang="en-US" altLang="zh-CN" i="1">
+                            <a:latin typeface="Cambria Math" panose="02040503050406030204" pitchFamily="18" charset="0"/>
+                          </a:rPr>
+                          <m:t>𝑈</m:t>
+                        </m:r>
+                      </m:e>
+                      <m:sub>
+                        <m:r>
+                          <a:rPr lang="en-US" altLang="zh-CN" i="1">
+                            <a:latin typeface="Cambria Math" panose="02040503050406030204" pitchFamily="18" charset="0"/>
+                          </a:rPr>
+                          <m:t>6</m:t>
+                        </m:r>
+                      </m:sub>
+                    </m:sSub>
+                  </m:oMath>
+                </a14:m>
+                <a:endParaRPr lang="en-US" altLang="zh-CN" dirty="0" smtClean="0"/>
+              </a:p>
+              <a:p>
+                <a:r>
+                  <a:rPr lang="zh-CN" altLang="en-US" dirty="0" smtClean="0">
+                    <a:solidFill>
+                      <a:schemeClr val="accent4">
+                        <a:lumMod val="50000"/>
+                      </a:schemeClr>
+                    </a:solidFill>
+                  </a:rPr>
+                  <a:t>确定</a:t>
+                </a:r>
+                <a14:m>
+                  <m:oMath xmlns:m="http://schemas.openxmlformats.org/officeDocument/2006/math">
+                    <m:sSup>
+                      <m:sSupPr>
+                        <m:ctrlPr>
+                          <a:rPr lang="en-US" altLang="zh-CN" i="1" smtClean="0">
+                            <a:solidFill>
+                              <a:schemeClr val="accent4">
+                                <a:lumMod val="50000"/>
+                              </a:schemeClr>
+                            </a:solidFill>
+                            <a:latin typeface="Cambria Math" panose="02040503050406030204" pitchFamily="18" charset="0"/>
+                          </a:rPr>
+                        </m:ctrlPr>
+                      </m:sSupPr>
+                      <m:e>
+                        <m:r>
+                          <a:rPr lang="en-US" altLang="zh-CN" i="1">
+                            <a:solidFill>
+                              <a:schemeClr val="accent4">
+                                <a:lumMod val="50000"/>
+                              </a:schemeClr>
+                            </a:solidFill>
+                            <a:latin typeface="Cambria Math" panose="02040503050406030204" pitchFamily="18" charset="0"/>
+                          </a:rPr>
+                          <m:t>5</m:t>
+                        </m:r>
+                      </m:e>
+                      <m:sup>
+                        <m:r>
+                          <a:rPr lang="en-US" altLang="zh-CN" i="1" smtClean="0">
+                            <a:solidFill>
+                              <a:schemeClr val="accent4">
+                                <a:lumMod val="50000"/>
+                              </a:schemeClr>
+                            </a:solidFill>
+                            <a:latin typeface="Cambria Math" panose="02040503050406030204" pitchFamily="18" charset="0"/>
+                          </a:rPr>
+                          <m:t>3</m:t>
+                        </m:r>
+                      </m:sup>
+                    </m:sSup>
+                    <m:r>
+                      <a:rPr lang="en-US" altLang="zh-CN" i="1">
+                        <a:solidFill>
+                          <a:schemeClr val="accent4">
+                            <a:lumMod val="50000"/>
+                          </a:schemeClr>
+                        </a:solidFill>
+                        <a:latin typeface="Cambria Math" panose="02040503050406030204" pitchFamily="18" charset="0"/>
+                      </a:rPr>
+                      <m:t>,</m:t>
+                    </m:r>
+                    <m:sSup>
+                      <m:sSupPr>
+                        <m:ctrlPr>
+                          <a:rPr lang="en-US" altLang="zh-CN" i="1">
+                            <a:solidFill>
+                              <a:schemeClr val="accent4">
+                                <a:lumMod val="50000"/>
+                              </a:schemeClr>
+                            </a:solidFill>
+                            <a:latin typeface="Cambria Math" panose="02040503050406030204" pitchFamily="18" charset="0"/>
+                          </a:rPr>
+                        </m:ctrlPr>
+                      </m:sSupPr>
+                      <m:e>
+                        <m:r>
+                          <a:rPr lang="en-US" altLang="zh-CN" i="1">
+                            <a:solidFill>
+                              <a:schemeClr val="accent4">
+                                <a:lumMod val="50000"/>
+                              </a:schemeClr>
+                            </a:solidFill>
+                            <a:latin typeface="Cambria Math" panose="02040503050406030204" pitchFamily="18" charset="0"/>
+                          </a:rPr>
+                          <m:t>6</m:t>
+                        </m:r>
+                      </m:e>
+                      <m:sup>
+                        <m:r>
+                          <a:rPr lang="en-US" altLang="zh-CN" i="1">
+                            <a:solidFill>
+                              <a:schemeClr val="accent4">
+                                <a:lumMod val="50000"/>
+                              </a:schemeClr>
+                            </a:solidFill>
+                            <a:latin typeface="Cambria Math" panose="02040503050406030204" pitchFamily="18" charset="0"/>
+                          </a:rPr>
+                          <m:t>3</m:t>
+                        </m:r>
+                      </m:sup>
+                    </m:sSup>
+                  </m:oMath>
+                </a14:m>
+                <a:endParaRPr lang="zh-CN" altLang="en-US" dirty="0">
+                  <a:solidFill>
+                    <a:schemeClr val="accent4">
+                      <a:lumMod val="50000"/>
+                    </a:schemeClr>
+                  </a:solidFill>
+                </a:endParaRPr>
+              </a:p>
+            </p:txBody>
+          </p:sp>
+        </mc:Choice>
+        <mc:Fallback xmlns="">
+          <p:sp>
+            <p:nvSpPr>
+              <p:cNvPr id="4" name="文本框 3"/>
+              <p:cNvSpPr txBox="1">
+                <a:spLocks noRot="1" noChangeAspect="1" noMove="1" noResize="1" noEditPoints="1" noAdjustHandles="1" noChangeArrowheads="1" noChangeShapeType="1" noTextEdit="1"/>
+              </p:cNvSpPr>
+              <p:nvPr/>
+            </p:nvSpPr>
+            <p:spPr>
+              <a:xfrm>
+                <a:off x="7825155" y="3844174"/>
+                <a:ext cx="2525738" cy="1796646"/>
+              </a:xfrm>
+              <a:prstGeom prst="rect">
+                <a:avLst/>
+              </a:prstGeom>
+              <a:blipFill>
+                <a:blip r:embed="rId6"/>
+                <a:stretch>
+                  <a:fillRect l="-2174" t="-2721" b="-1701"/>
+                </a:stretch>
+              </a:blipFill>
+            </p:spPr>
+            <p:txBody>
+              <a:bodyPr/>
+              <a:lstStyle/>
+              <a:p>
+                <a:r>
+                  <a:rPr lang="zh-CN" altLang="en-US">
+                    <a:noFill/>
+                  </a:rPr>
+                  <a:t> </a:t>
+                </a:r>
+              </a:p>
+            </p:txBody>
+          </p:sp>
+        </mc:Fallback>
+      </mc:AlternateContent>
+      <p:sp>
+        <p:nvSpPr>
+          <p:cNvPr id="14" name="椭圆 13"/>
+          <p:cNvSpPr/>
+          <p:nvPr/>
+        </p:nvSpPr>
+        <p:spPr>
+          <a:xfrm>
+            <a:off x="6808470" y="1382517"/>
+            <a:ext cx="457200" cy="219808"/>
+          </a:xfrm>
+          <a:prstGeom prst="ellipse">
+            <a:avLst/>
+          </a:prstGeom>
+          <a:noFill/>
+          <a:ln w="19050">
+            <a:solidFill>
+              <a:srgbClr val="0070C0"/>
+            </a:solidFill>
+          </a:ln>
+        </p:spPr>
+        <p:style>
+          <a:lnRef idx="2">
+            <a:schemeClr val="accent1">
+              <a:shade val="50000"/>
+            </a:schemeClr>
+          </a:lnRef>
+          <a:fillRef idx="1">
+            <a:schemeClr val="accent1"/>
+          </a:fillRef>
+          <a:effectRef idx="0">
+            <a:schemeClr val="accent1"/>
+          </a:effectRef>
+          <a:fontRef idx="minor">
+            <a:schemeClr val="lt1"/>
+          </a:fontRef>
+        </p:style>
+        <p:txBody>
+          <a:bodyPr rtlCol="0" anchor="ctr"/>
+          <a:lstStyle/>
+          <a:p>
+            <a:pPr algn="ctr"/>
+            <a:endParaRPr lang="zh-CN" altLang="en-US"/>
+          </a:p>
+        </p:txBody>
+      </p:sp>
+      <p:sp>
+        <p:nvSpPr>
+          <p:cNvPr id="15" name="椭圆 14"/>
+          <p:cNvSpPr/>
+          <p:nvPr/>
+        </p:nvSpPr>
+        <p:spPr>
+          <a:xfrm>
+            <a:off x="9299624" y="1971066"/>
+            <a:ext cx="457200" cy="219808"/>
+          </a:xfrm>
+          <a:prstGeom prst="ellipse">
+            <a:avLst/>
+          </a:prstGeom>
+          <a:noFill/>
+          <a:ln w="19050">
+            <a:solidFill>
+              <a:srgbClr val="0070C0"/>
+            </a:solidFill>
+          </a:ln>
+        </p:spPr>
+        <p:style>
+          <a:lnRef idx="2">
+            <a:schemeClr val="accent1">
+              <a:shade val="50000"/>
+            </a:schemeClr>
+          </a:lnRef>
+          <a:fillRef idx="1">
+            <a:schemeClr val="accent1"/>
+          </a:fillRef>
+          <a:effectRef idx="0">
+            <a:schemeClr val="accent1"/>
+          </a:effectRef>
+          <a:fontRef idx="minor">
+            <a:schemeClr val="lt1"/>
+          </a:fontRef>
+        </p:style>
+        <p:txBody>
+          <a:bodyPr rtlCol="0" anchor="ctr"/>
+          <a:lstStyle/>
+          <a:p>
+            <a:pPr algn="ctr"/>
+            <a:endParaRPr lang="zh-CN" altLang="en-US"/>
+          </a:p>
+        </p:txBody>
+      </p:sp>
+      <p:sp>
+        <p:nvSpPr>
+          <p:cNvPr id="16" name="椭圆 15"/>
+          <p:cNvSpPr/>
+          <p:nvPr/>
+        </p:nvSpPr>
+        <p:spPr>
+          <a:xfrm>
+            <a:off x="3487296" y="4292045"/>
+            <a:ext cx="1480358" cy="260195"/>
+          </a:xfrm>
+          <a:prstGeom prst="ellipse">
+            <a:avLst/>
+          </a:prstGeom>
+          <a:noFill/>
+          <a:ln w="19050">
+            <a:solidFill>
+              <a:srgbClr val="0070C0"/>
+            </a:solidFill>
+          </a:ln>
+        </p:spPr>
+        <p:style>
+          <a:lnRef idx="2">
+            <a:schemeClr val="accent1">
+              <a:shade val="50000"/>
+            </a:schemeClr>
+          </a:lnRef>
+          <a:fillRef idx="1">
+            <a:schemeClr val="accent1"/>
+          </a:fillRef>
+          <a:effectRef idx="0">
+            <a:schemeClr val="accent1"/>
+          </a:effectRef>
+          <a:fontRef idx="minor">
+            <a:schemeClr val="lt1"/>
+          </a:fontRef>
+        </p:style>
+        <p:txBody>
+          <a:bodyPr rtlCol="0" anchor="ctr"/>
+          <a:lstStyle/>
+          <a:p>
+            <a:pPr algn="ctr"/>
+            <a:endParaRPr lang="zh-CN" altLang="en-US"/>
+          </a:p>
+        </p:txBody>
+      </p:sp>
+      <p:sp>
+        <p:nvSpPr>
+          <p:cNvPr id="17" name="椭圆 16"/>
+          <p:cNvSpPr/>
+          <p:nvPr/>
+        </p:nvSpPr>
+        <p:spPr>
+          <a:xfrm>
+            <a:off x="1594339" y="5056708"/>
+            <a:ext cx="1480358" cy="260195"/>
+          </a:xfrm>
+          <a:prstGeom prst="ellipse">
+            <a:avLst/>
+          </a:prstGeom>
+          <a:noFill/>
+          <a:ln w="19050">
+            <a:solidFill>
+              <a:srgbClr val="0070C0"/>
+            </a:solidFill>
+          </a:ln>
+        </p:spPr>
+        <p:style>
+          <a:lnRef idx="2">
+            <a:schemeClr val="accent1">
+              <a:shade val="50000"/>
+            </a:schemeClr>
+          </a:lnRef>
+          <a:fillRef idx="1">
+            <a:schemeClr val="accent1"/>
+          </a:fillRef>
+          <a:effectRef idx="0">
+            <a:schemeClr val="accent1"/>
+          </a:effectRef>
+          <a:fontRef idx="minor">
+            <a:schemeClr val="lt1"/>
+          </a:fontRef>
+        </p:style>
+        <p:txBody>
+          <a:bodyPr rtlCol="0" anchor="ctr"/>
+          <a:lstStyle/>
+          <a:p>
+            <a:pPr algn="ctr"/>
+            <a:endParaRPr lang="zh-CN" altLang="en-US"/>
+          </a:p>
+        </p:txBody>
+      </p:sp>
+      <p:sp>
+        <p:nvSpPr>
+          <p:cNvPr id="19" name="椭圆 18"/>
+          <p:cNvSpPr/>
+          <p:nvPr/>
+        </p:nvSpPr>
+        <p:spPr>
+          <a:xfrm>
+            <a:off x="9875535" y="2169661"/>
+            <a:ext cx="457200" cy="219808"/>
+          </a:xfrm>
+          <a:prstGeom prst="ellipse">
+            <a:avLst/>
+          </a:prstGeom>
+          <a:noFill/>
+          <a:ln w="19050">
+            <a:solidFill>
+              <a:schemeClr val="accent4">
+                <a:lumMod val="50000"/>
+              </a:schemeClr>
+            </a:solidFill>
+          </a:ln>
+        </p:spPr>
+        <p:style>
+          <a:lnRef idx="2">
+            <a:schemeClr val="accent1">
+              <a:shade val="50000"/>
+            </a:schemeClr>
+          </a:lnRef>
+          <a:fillRef idx="1">
+            <a:schemeClr val="accent1"/>
+          </a:fillRef>
+          <a:effectRef idx="0">
+            <a:schemeClr val="accent1"/>
+          </a:effectRef>
+          <a:fontRef idx="minor">
+            <a:schemeClr val="lt1"/>
+          </a:fontRef>
+        </p:style>
+        <p:txBody>
+          <a:bodyPr rtlCol="0" anchor="ctr"/>
+          <a:lstStyle/>
+          <a:p>
+            <a:pPr algn="ctr"/>
+            <a:endParaRPr lang="zh-CN" altLang="en-US"/>
+          </a:p>
+        </p:txBody>
+      </p:sp>
+      <p:sp>
+        <p:nvSpPr>
+          <p:cNvPr id="20" name="椭圆 19"/>
+          <p:cNvSpPr/>
+          <p:nvPr/>
+        </p:nvSpPr>
+        <p:spPr>
+          <a:xfrm>
+            <a:off x="8561976" y="1368783"/>
+            <a:ext cx="457200" cy="219808"/>
+          </a:xfrm>
+          <a:prstGeom prst="ellipse">
+            <a:avLst/>
+          </a:prstGeom>
+          <a:noFill/>
+          <a:ln w="19050">
+            <a:solidFill>
+              <a:schemeClr val="accent4">
+                <a:lumMod val="50000"/>
+              </a:schemeClr>
+            </a:solidFill>
+          </a:ln>
+        </p:spPr>
+        <p:style>
+          <a:lnRef idx="2">
+            <a:schemeClr val="accent1">
+              <a:shade val="50000"/>
+            </a:schemeClr>
+          </a:lnRef>
+          <a:fillRef idx="1">
+            <a:schemeClr val="accent1"/>
+          </a:fillRef>
+          <a:effectRef idx="0">
+            <a:schemeClr val="accent1"/>
+          </a:effectRef>
+          <a:fontRef idx="minor">
+            <a:schemeClr val="lt1"/>
+          </a:fontRef>
+        </p:style>
+        <p:txBody>
+          <a:bodyPr rtlCol="0" anchor="ctr"/>
+          <a:lstStyle/>
+          <a:p>
+            <a:pPr algn="ctr"/>
+            <a:endParaRPr lang="zh-CN" altLang="en-US"/>
+          </a:p>
+        </p:txBody>
+      </p:sp>
+      <p:pic>
+        <p:nvPicPr>
+          <p:cNvPr id="5" name="图片 4"/>
+          <p:cNvPicPr>
+            <a:picLocks noChangeAspect="1"/>
+          </p:cNvPicPr>
+          <p:nvPr/>
+        </p:nvPicPr>
+        <p:blipFill>
+          <a:blip r:embed="rId7"/>
+          <a:stretch>
+            <a:fillRect/>
+          </a:stretch>
+        </p:blipFill>
+        <p:spPr>
+          <a:xfrm>
+            <a:off x="3430146" y="4621326"/>
+            <a:ext cx="1594658" cy="322604"/>
+          </a:xfrm>
+          <a:prstGeom prst="rect">
+            <a:avLst/>
+          </a:prstGeom>
+        </p:spPr>
+      </p:pic>
+      <p:pic>
+        <p:nvPicPr>
+          <p:cNvPr id="21" name="图片 20"/>
+          <p:cNvPicPr>
+            <a:picLocks noChangeAspect="1"/>
+          </p:cNvPicPr>
+          <p:nvPr/>
+        </p:nvPicPr>
+        <p:blipFill>
+          <a:blip r:embed="rId7"/>
+          <a:stretch>
+            <a:fillRect/>
+          </a:stretch>
+        </p:blipFill>
+        <p:spPr>
+          <a:xfrm>
+            <a:off x="3345886" y="5025503"/>
+            <a:ext cx="1788822" cy="322604"/>
           </a:xfrm>
           <a:prstGeom prst="rect">
             <a:avLst/>
@@ -7312,9 +8326,1160 @@
   <p:timing>
     <p:tnLst>
       <p:par>
-        <p:cTn id="1" dur="indefinite" restart="never" nodeType="tmRoot"/>
+        <p:cTn id="1" dur="indefinite" restart="never" nodeType="tmRoot">
+          <p:childTnLst>
+            <p:seq concurrent="1" nextAc="seek">
+              <p:cTn id="2" dur="indefinite" nodeType="mainSeq">
+                <p:childTnLst>
+                  <p:par>
+                    <p:cTn id="3" fill="hold">
+                      <p:stCondLst>
+                        <p:cond delay="indefinite"/>
+                      </p:stCondLst>
+                      <p:childTnLst>
+                        <p:par>
+                          <p:cTn id="4" fill="hold">
+                            <p:stCondLst>
+                              <p:cond delay="0"/>
+                            </p:stCondLst>
+                            <p:childTnLst>
+                              <p:par>
+                                <p:cTn id="5" presetID="1" presetClass="entr" presetSubtype="0" fill="hold" nodeType="clickEffect">
+                                  <p:stCondLst>
+                                    <p:cond delay="0"/>
+                                  </p:stCondLst>
+                                  <p:childTnLst>
+                                    <p:set>
+                                      <p:cBhvr>
+                                        <p:cTn id="6" dur="1" fill="hold">
+                                          <p:stCondLst>
+                                            <p:cond delay="0"/>
+                                          </p:stCondLst>
+                                        </p:cTn>
+                                        <p:tgtEl>
+                                          <p:spTgt spid="4">
+                                            <p:txEl>
+                                              <p:pRg st="0" end="0"/>
+                                            </p:txEl>
+                                          </p:spTgt>
+                                        </p:tgtEl>
+                                        <p:attrNameLst>
+                                          <p:attrName>style.visibility</p:attrName>
+                                        </p:attrNameLst>
+                                      </p:cBhvr>
+                                      <p:to>
+                                        <p:strVal val="visible"/>
+                                      </p:to>
+                                    </p:set>
+                                  </p:childTnLst>
+                                </p:cTn>
+                              </p:par>
+                              <p:par>
+                                <p:cTn id="7" presetID="2" presetClass="entr" presetSubtype="4" fill="hold" grpId="0" nodeType="withEffect">
+                                  <p:stCondLst>
+                                    <p:cond delay="0"/>
+                                  </p:stCondLst>
+                                  <p:childTnLst>
+                                    <p:set>
+                                      <p:cBhvr>
+                                        <p:cTn id="8" dur="1" fill="hold">
+                                          <p:stCondLst>
+                                            <p:cond delay="0"/>
+                                          </p:stCondLst>
+                                        </p:cTn>
+                                        <p:tgtEl>
+                                          <p:spTgt spid="3"/>
+                                        </p:tgtEl>
+                                        <p:attrNameLst>
+                                          <p:attrName>style.visibility</p:attrName>
+                                        </p:attrNameLst>
+                                      </p:cBhvr>
+                                      <p:to>
+                                        <p:strVal val="visible"/>
+                                      </p:to>
+                                    </p:set>
+                                    <p:anim calcmode="lin" valueType="num">
+                                      <p:cBhvr additive="base">
+                                        <p:cTn id="9" dur="500" fill="hold"/>
+                                        <p:tgtEl>
+                                          <p:spTgt spid="3"/>
+                                        </p:tgtEl>
+                                        <p:attrNameLst>
+                                          <p:attrName>ppt_x</p:attrName>
+                                        </p:attrNameLst>
+                                      </p:cBhvr>
+                                      <p:tavLst>
+                                        <p:tav tm="0">
+                                          <p:val>
+                                            <p:strVal val="#ppt_x"/>
+                                          </p:val>
+                                        </p:tav>
+                                        <p:tav tm="100000">
+                                          <p:val>
+                                            <p:strVal val="#ppt_x"/>
+                                          </p:val>
+                                        </p:tav>
+                                      </p:tavLst>
+                                    </p:anim>
+                                    <p:anim calcmode="lin" valueType="num">
+                                      <p:cBhvr additive="base">
+                                        <p:cTn id="10" dur="500" fill="hold"/>
+                                        <p:tgtEl>
+                                          <p:spTgt spid="3"/>
+                                        </p:tgtEl>
+                                        <p:attrNameLst>
+                                          <p:attrName>ppt_y</p:attrName>
+                                        </p:attrNameLst>
+                                      </p:cBhvr>
+                                      <p:tavLst>
+                                        <p:tav tm="0">
+                                          <p:val>
+                                            <p:strVal val="1+#ppt_h/2"/>
+                                          </p:val>
+                                        </p:tav>
+                                        <p:tav tm="100000">
+                                          <p:val>
+                                            <p:strVal val="#ppt_y"/>
+                                          </p:val>
+                                        </p:tav>
+                                      </p:tavLst>
+                                    </p:anim>
+                                  </p:childTnLst>
+                                </p:cTn>
+                              </p:par>
+                              <p:par>
+                                <p:cTn id="11" presetID="2" presetClass="entr" presetSubtype="4" fill="hold" grpId="0" nodeType="withEffect">
+                                  <p:stCondLst>
+                                    <p:cond delay="0"/>
+                                  </p:stCondLst>
+                                  <p:childTnLst>
+                                    <p:set>
+                                      <p:cBhvr>
+                                        <p:cTn id="12" dur="1" fill="hold">
+                                          <p:stCondLst>
+                                            <p:cond delay="0"/>
+                                          </p:stCondLst>
+                                        </p:cTn>
+                                        <p:tgtEl>
+                                          <p:spTgt spid="8"/>
+                                        </p:tgtEl>
+                                        <p:attrNameLst>
+                                          <p:attrName>style.visibility</p:attrName>
+                                        </p:attrNameLst>
+                                      </p:cBhvr>
+                                      <p:to>
+                                        <p:strVal val="visible"/>
+                                      </p:to>
+                                    </p:set>
+                                    <p:anim calcmode="lin" valueType="num">
+                                      <p:cBhvr additive="base">
+                                        <p:cTn id="13" dur="500" fill="hold"/>
+                                        <p:tgtEl>
+                                          <p:spTgt spid="8"/>
+                                        </p:tgtEl>
+                                        <p:attrNameLst>
+                                          <p:attrName>ppt_x</p:attrName>
+                                        </p:attrNameLst>
+                                      </p:cBhvr>
+                                      <p:tavLst>
+                                        <p:tav tm="0">
+                                          <p:val>
+                                            <p:strVal val="#ppt_x"/>
+                                          </p:val>
+                                        </p:tav>
+                                        <p:tav tm="100000">
+                                          <p:val>
+                                            <p:strVal val="#ppt_x"/>
+                                          </p:val>
+                                        </p:tav>
+                                      </p:tavLst>
+                                    </p:anim>
+                                    <p:anim calcmode="lin" valueType="num">
+                                      <p:cBhvr additive="base">
+                                        <p:cTn id="14" dur="500" fill="hold"/>
+                                        <p:tgtEl>
+                                          <p:spTgt spid="8"/>
+                                        </p:tgtEl>
+                                        <p:attrNameLst>
+                                          <p:attrName>ppt_y</p:attrName>
+                                        </p:attrNameLst>
+                                      </p:cBhvr>
+                                      <p:tavLst>
+                                        <p:tav tm="0">
+                                          <p:val>
+                                            <p:strVal val="1+#ppt_h/2"/>
+                                          </p:val>
+                                        </p:tav>
+                                        <p:tav tm="100000">
+                                          <p:val>
+                                            <p:strVal val="#ppt_y"/>
+                                          </p:val>
+                                        </p:tav>
+                                      </p:tavLst>
+                                    </p:anim>
+                                  </p:childTnLst>
+                                </p:cTn>
+                              </p:par>
+                              <p:par>
+                                <p:cTn id="15" presetID="2" presetClass="entr" presetSubtype="4" fill="hold" grpId="0" nodeType="withEffect">
+                                  <p:stCondLst>
+                                    <p:cond delay="0"/>
+                                  </p:stCondLst>
+                                  <p:childTnLst>
+                                    <p:set>
+                                      <p:cBhvr>
+                                        <p:cTn id="16" dur="1" fill="hold">
+                                          <p:stCondLst>
+                                            <p:cond delay="0"/>
+                                          </p:stCondLst>
+                                        </p:cTn>
+                                        <p:tgtEl>
+                                          <p:spTgt spid="9"/>
+                                        </p:tgtEl>
+                                        <p:attrNameLst>
+                                          <p:attrName>style.visibility</p:attrName>
+                                        </p:attrNameLst>
+                                      </p:cBhvr>
+                                      <p:to>
+                                        <p:strVal val="visible"/>
+                                      </p:to>
+                                    </p:set>
+                                    <p:anim calcmode="lin" valueType="num">
+                                      <p:cBhvr additive="base">
+                                        <p:cTn id="17" dur="500" fill="hold"/>
+                                        <p:tgtEl>
+                                          <p:spTgt spid="9"/>
+                                        </p:tgtEl>
+                                        <p:attrNameLst>
+                                          <p:attrName>ppt_x</p:attrName>
+                                        </p:attrNameLst>
+                                      </p:cBhvr>
+                                      <p:tavLst>
+                                        <p:tav tm="0">
+                                          <p:val>
+                                            <p:strVal val="#ppt_x"/>
+                                          </p:val>
+                                        </p:tav>
+                                        <p:tav tm="100000">
+                                          <p:val>
+                                            <p:strVal val="#ppt_x"/>
+                                          </p:val>
+                                        </p:tav>
+                                      </p:tavLst>
+                                    </p:anim>
+                                    <p:anim calcmode="lin" valueType="num">
+                                      <p:cBhvr additive="base">
+                                        <p:cTn id="18" dur="500" fill="hold"/>
+                                        <p:tgtEl>
+                                          <p:spTgt spid="9"/>
+                                        </p:tgtEl>
+                                        <p:attrNameLst>
+                                          <p:attrName>ppt_y</p:attrName>
+                                        </p:attrNameLst>
+                                      </p:cBhvr>
+                                      <p:tavLst>
+                                        <p:tav tm="0">
+                                          <p:val>
+                                            <p:strVal val="1+#ppt_h/2"/>
+                                          </p:val>
+                                        </p:tav>
+                                        <p:tav tm="100000">
+                                          <p:val>
+                                            <p:strVal val="#ppt_y"/>
+                                          </p:val>
+                                        </p:tav>
+                                      </p:tavLst>
+                                    </p:anim>
+                                  </p:childTnLst>
+                                </p:cTn>
+                              </p:par>
+                              <p:par>
+                                <p:cTn id="19" presetID="2" presetClass="entr" presetSubtype="4" fill="hold" grpId="0" nodeType="withEffect">
+                                  <p:stCondLst>
+                                    <p:cond delay="0"/>
+                                  </p:stCondLst>
+                                  <p:childTnLst>
+                                    <p:set>
+                                      <p:cBhvr>
+                                        <p:cTn id="20" dur="1" fill="hold">
+                                          <p:stCondLst>
+                                            <p:cond delay="0"/>
+                                          </p:stCondLst>
+                                        </p:cTn>
+                                        <p:tgtEl>
+                                          <p:spTgt spid="10"/>
+                                        </p:tgtEl>
+                                        <p:attrNameLst>
+                                          <p:attrName>style.visibility</p:attrName>
+                                        </p:attrNameLst>
+                                      </p:cBhvr>
+                                      <p:to>
+                                        <p:strVal val="visible"/>
+                                      </p:to>
+                                    </p:set>
+                                    <p:anim calcmode="lin" valueType="num">
+                                      <p:cBhvr additive="base">
+                                        <p:cTn id="21" dur="500" fill="hold"/>
+                                        <p:tgtEl>
+                                          <p:spTgt spid="10"/>
+                                        </p:tgtEl>
+                                        <p:attrNameLst>
+                                          <p:attrName>ppt_x</p:attrName>
+                                        </p:attrNameLst>
+                                      </p:cBhvr>
+                                      <p:tavLst>
+                                        <p:tav tm="0">
+                                          <p:val>
+                                            <p:strVal val="#ppt_x"/>
+                                          </p:val>
+                                        </p:tav>
+                                        <p:tav tm="100000">
+                                          <p:val>
+                                            <p:strVal val="#ppt_x"/>
+                                          </p:val>
+                                        </p:tav>
+                                      </p:tavLst>
+                                    </p:anim>
+                                    <p:anim calcmode="lin" valueType="num">
+                                      <p:cBhvr additive="base">
+                                        <p:cTn id="22" dur="500" fill="hold"/>
+                                        <p:tgtEl>
+                                          <p:spTgt spid="10"/>
+                                        </p:tgtEl>
+                                        <p:attrNameLst>
+                                          <p:attrName>ppt_y</p:attrName>
+                                        </p:attrNameLst>
+                                      </p:cBhvr>
+                                      <p:tavLst>
+                                        <p:tav tm="0">
+                                          <p:val>
+                                            <p:strVal val="1+#ppt_h/2"/>
+                                          </p:val>
+                                        </p:tav>
+                                        <p:tav tm="100000">
+                                          <p:val>
+                                            <p:strVal val="#ppt_y"/>
+                                          </p:val>
+                                        </p:tav>
+                                      </p:tavLst>
+                                    </p:anim>
+                                  </p:childTnLst>
+                                </p:cTn>
+                              </p:par>
+                              <p:par>
+                                <p:cTn id="23" presetID="1" presetClass="entr" presetSubtype="0" fill="hold" nodeType="withEffect">
+                                  <p:stCondLst>
+                                    <p:cond delay="0"/>
+                                  </p:stCondLst>
+                                  <p:childTnLst>
+                                    <p:set>
+                                      <p:cBhvr>
+                                        <p:cTn id="24" dur="1" fill="hold">
+                                          <p:stCondLst>
+                                            <p:cond delay="0"/>
+                                          </p:stCondLst>
+                                        </p:cTn>
+                                        <p:tgtEl>
+                                          <p:spTgt spid="4">
+                                            <p:txEl>
+                                              <p:pRg st="1" end="1"/>
+                                            </p:txEl>
+                                          </p:spTgt>
+                                        </p:tgtEl>
+                                        <p:attrNameLst>
+                                          <p:attrName>style.visibility</p:attrName>
+                                        </p:attrNameLst>
+                                      </p:cBhvr>
+                                      <p:to>
+                                        <p:strVal val="visible"/>
+                                      </p:to>
+                                    </p:set>
+                                  </p:childTnLst>
+                                </p:cTn>
+                              </p:par>
+                            </p:childTnLst>
+                          </p:cTn>
+                        </p:par>
+                      </p:childTnLst>
+                    </p:cTn>
+                  </p:par>
+                  <p:par>
+                    <p:cTn id="25" fill="hold">
+                      <p:stCondLst>
+                        <p:cond delay="indefinite"/>
+                      </p:stCondLst>
+                      <p:childTnLst>
+                        <p:par>
+                          <p:cTn id="26" fill="hold">
+                            <p:stCondLst>
+                              <p:cond delay="0"/>
+                            </p:stCondLst>
+                            <p:childTnLst>
+                              <p:par>
+                                <p:cTn id="27" presetID="1" presetClass="entr" presetSubtype="0" fill="hold" nodeType="clickEffect">
+                                  <p:stCondLst>
+                                    <p:cond delay="0"/>
+                                  </p:stCondLst>
+                                  <p:childTnLst>
+                                    <p:set>
+                                      <p:cBhvr>
+                                        <p:cTn id="28" dur="1" fill="hold">
+                                          <p:stCondLst>
+                                            <p:cond delay="0"/>
+                                          </p:stCondLst>
+                                        </p:cTn>
+                                        <p:tgtEl>
+                                          <p:spTgt spid="4">
+                                            <p:txEl>
+                                              <p:pRg st="2" end="2"/>
+                                            </p:txEl>
+                                          </p:spTgt>
+                                        </p:tgtEl>
+                                        <p:attrNameLst>
+                                          <p:attrName>style.visibility</p:attrName>
+                                        </p:attrNameLst>
+                                      </p:cBhvr>
+                                      <p:to>
+                                        <p:strVal val="visible"/>
+                                      </p:to>
+                                    </p:set>
+                                  </p:childTnLst>
+                                </p:cTn>
+                              </p:par>
+                              <p:par>
+                                <p:cTn id="29" presetID="1" presetClass="entr" presetSubtype="0" fill="hold" nodeType="withEffect">
+                                  <p:stCondLst>
+                                    <p:cond delay="0"/>
+                                  </p:stCondLst>
+                                  <p:childTnLst>
+                                    <p:set>
+                                      <p:cBhvr>
+                                        <p:cTn id="30" dur="1" fill="hold">
+                                          <p:stCondLst>
+                                            <p:cond delay="0"/>
+                                          </p:stCondLst>
+                                        </p:cTn>
+                                        <p:tgtEl>
+                                          <p:spTgt spid="4">
+                                            <p:txEl>
+                                              <p:pRg st="3" end="3"/>
+                                            </p:txEl>
+                                          </p:spTgt>
+                                        </p:tgtEl>
+                                        <p:attrNameLst>
+                                          <p:attrName>style.visibility</p:attrName>
+                                        </p:attrNameLst>
+                                      </p:cBhvr>
+                                      <p:to>
+                                        <p:strVal val="visible"/>
+                                      </p:to>
+                                    </p:set>
+                                  </p:childTnLst>
+                                </p:cTn>
+                              </p:par>
+                              <p:par>
+                                <p:cTn id="31" presetID="2" presetClass="entr" presetSubtype="4" fill="hold" grpId="0" nodeType="withEffect">
+                                  <p:stCondLst>
+                                    <p:cond delay="0"/>
+                                  </p:stCondLst>
+                                  <p:childTnLst>
+                                    <p:set>
+                                      <p:cBhvr>
+                                        <p:cTn id="32" dur="1" fill="hold">
+                                          <p:stCondLst>
+                                            <p:cond delay="0"/>
+                                          </p:stCondLst>
+                                        </p:cTn>
+                                        <p:tgtEl>
+                                          <p:spTgt spid="14"/>
+                                        </p:tgtEl>
+                                        <p:attrNameLst>
+                                          <p:attrName>style.visibility</p:attrName>
+                                        </p:attrNameLst>
+                                      </p:cBhvr>
+                                      <p:to>
+                                        <p:strVal val="visible"/>
+                                      </p:to>
+                                    </p:set>
+                                    <p:anim calcmode="lin" valueType="num">
+                                      <p:cBhvr additive="base">
+                                        <p:cTn id="33" dur="500" fill="hold"/>
+                                        <p:tgtEl>
+                                          <p:spTgt spid="14"/>
+                                        </p:tgtEl>
+                                        <p:attrNameLst>
+                                          <p:attrName>ppt_x</p:attrName>
+                                        </p:attrNameLst>
+                                      </p:cBhvr>
+                                      <p:tavLst>
+                                        <p:tav tm="0">
+                                          <p:val>
+                                            <p:strVal val="#ppt_x"/>
+                                          </p:val>
+                                        </p:tav>
+                                        <p:tav tm="100000">
+                                          <p:val>
+                                            <p:strVal val="#ppt_x"/>
+                                          </p:val>
+                                        </p:tav>
+                                      </p:tavLst>
+                                    </p:anim>
+                                    <p:anim calcmode="lin" valueType="num">
+                                      <p:cBhvr additive="base">
+                                        <p:cTn id="34" dur="500" fill="hold"/>
+                                        <p:tgtEl>
+                                          <p:spTgt spid="14"/>
+                                        </p:tgtEl>
+                                        <p:attrNameLst>
+                                          <p:attrName>ppt_y</p:attrName>
+                                        </p:attrNameLst>
+                                      </p:cBhvr>
+                                      <p:tavLst>
+                                        <p:tav tm="0">
+                                          <p:val>
+                                            <p:strVal val="1+#ppt_h/2"/>
+                                          </p:val>
+                                        </p:tav>
+                                        <p:tav tm="100000">
+                                          <p:val>
+                                            <p:strVal val="#ppt_y"/>
+                                          </p:val>
+                                        </p:tav>
+                                      </p:tavLst>
+                                    </p:anim>
+                                  </p:childTnLst>
+                                </p:cTn>
+                              </p:par>
+                              <p:par>
+                                <p:cTn id="35" presetID="2" presetClass="entr" presetSubtype="4" fill="hold" grpId="0" nodeType="withEffect">
+                                  <p:stCondLst>
+                                    <p:cond delay="0"/>
+                                  </p:stCondLst>
+                                  <p:childTnLst>
+                                    <p:set>
+                                      <p:cBhvr>
+                                        <p:cTn id="36" dur="1" fill="hold">
+                                          <p:stCondLst>
+                                            <p:cond delay="0"/>
+                                          </p:stCondLst>
+                                        </p:cTn>
+                                        <p:tgtEl>
+                                          <p:spTgt spid="15"/>
+                                        </p:tgtEl>
+                                        <p:attrNameLst>
+                                          <p:attrName>style.visibility</p:attrName>
+                                        </p:attrNameLst>
+                                      </p:cBhvr>
+                                      <p:to>
+                                        <p:strVal val="visible"/>
+                                      </p:to>
+                                    </p:set>
+                                    <p:anim calcmode="lin" valueType="num">
+                                      <p:cBhvr additive="base">
+                                        <p:cTn id="37" dur="500" fill="hold"/>
+                                        <p:tgtEl>
+                                          <p:spTgt spid="15"/>
+                                        </p:tgtEl>
+                                        <p:attrNameLst>
+                                          <p:attrName>ppt_x</p:attrName>
+                                        </p:attrNameLst>
+                                      </p:cBhvr>
+                                      <p:tavLst>
+                                        <p:tav tm="0">
+                                          <p:val>
+                                            <p:strVal val="#ppt_x"/>
+                                          </p:val>
+                                        </p:tav>
+                                        <p:tav tm="100000">
+                                          <p:val>
+                                            <p:strVal val="#ppt_x"/>
+                                          </p:val>
+                                        </p:tav>
+                                      </p:tavLst>
+                                    </p:anim>
+                                    <p:anim calcmode="lin" valueType="num">
+                                      <p:cBhvr additive="base">
+                                        <p:cTn id="38" dur="500" fill="hold"/>
+                                        <p:tgtEl>
+                                          <p:spTgt spid="15"/>
+                                        </p:tgtEl>
+                                        <p:attrNameLst>
+                                          <p:attrName>ppt_y</p:attrName>
+                                        </p:attrNameLst>
+                                      </p:cBhvr>
+                                      <p:tavLst>
+                                        <p:tav tm="0">
+                                          <p:val>
+                                            <p:strVal val="1+#ppt_h/2"/>
+                                          </p:val>
+                                        </p:tav>
+                                        <p:tav tm="100000">
+                                          <p:val>
+                                            <p:strVal val="#ppt_y"/>
+                                          </p:val>
+                                        </p:tav>
+                                      </p:tavLst>
+                                    </p:anim>
+                                  </p:childTnLst>
+                                </p:cTn>
+                              </p:par>
+                              <p:par>
+                                <p:cTn id="39" presetID="2" presetClass="entr" presetSubtype="4" fill="hold" grpId="0" nodeType="withEffect">
+                                  <p:stCondLst>
+                                    <p:cond delay="0"/>
+                                  </p:stCondLst>
+                                  <p:childTnLst>
+                                    <p:set>
+                                      <p:cBhvr>
+                                        <p:cTn id="40" dur="1" fill="hold">
+                                          <p:stCondLst>
+                                            <p:cond delay="0"/>
+                                          </p:stCondLst>
+                                        </p:cTn>
+                                        <p:tgtEl>
+                                          <p:spTgt spid="16"/>
+                                        </p:tgtEl>
+                                        <p:attrNameLst>
+                                          <p:attrName>style.visibility</p:attrName>
+                                        </p:attrNameLst>
+                                      </p:cBhvr>
+                                      <p:to>
+                                        <p:strVal val="visible"/>
+                                      </p:to>
+                                    </p:set>
+                                    <p:anim calcmode="lin" valueType="num">
+                                      <p:cBhvr additive="base">
+                                        <p:cTn id="41" dur="500" fill="hold"/>
+                                        <p:tgtEl>
+                                          <p:spTgt spid="16"/>
+                                        </p:tgtEl>
+                                        <p:attrNameLst>
+                                          <p:attrName>ppt_x</p:attrName>
+                                        </p:attrNameLst>
+                                      </p:cBhvr>
+                                      <p:tavLst>
+                                        <p:tav tm="0">
+                                          <p:val>
+                                            <p:strVal val="#ppt_x"/>
+                                          </p:val>
+                                        </p:tav>
+                                        <p:tav tm="100000">
+                                          <p:val>
+                                            <p:strVal val="#ppt_x"/>
+                                          </p:val>
+                                        </p:tav>
+                                      </p:tavLst>
+                                    </p:anim>
+                                    <p:anim calcmode="lin" valueType="num">
+                                      <p:cBhvr additive="base">
+                                        <p:cTn id="42" dur="500" fill="hold"/>
+                                        <p:tgtEl>
+                                          <p:spTgt spid="16"/>
+                                        </p:tgtEl>
+                                        <p:attrNameLst>
+                                          <p:attrName>ppt_y</p:attrName>
+                                        </p:attrNameLst>
+                                      </p:cBhvr>
+                                      <p:tavLst>
+                                        <p:tav tm="0">
+                                          <p:val>
+                                            <p:strVal val="1+#ppt_h/2"/>
+                                          </p:val>
+                                        </p:tav>
+                                        <p:tav tm="100000">
+                                          <p:val>
+                                            <p:strVal val="#ppt_y"/>
+                                          </p:val>
+                                        </p:tav>
+                                      </p:tavLst>
+                                    </p:anim>
+                                  </p:childTnLst>
+                                </p:cTn>
+                              </p:par>
+                              <p:par>
+                                <p:cTn id="43" presetID="2" presetClass="entr" presetSubtype="4" fill="hold" grpId="0" nodeType="withEffect">
+                                  <p:stCondLst>
+                                    <p:cond delay="0"/>
+                                  </p:stCondLst>
+                                  <p:childTnLst>
+                                    <p:set>
+                                      <p:cBhvr>
+                                        <p:cTn id="44" dur="1" fill="hold">
+                                          <p:stCondLst>
+                                            <p:cond delay="0"/>
+                                          </p:stCondLst>
+                                        </p:cTn>
+                                        <p:tgtEl>
+                                          <p:spTgt spid="17"/>
+                                        </p:tgtEl>
+                                        <p:attrNameLst>
+                                          <p:attrName>style.visibility</p:attrName>
+                                        </p:attrNameLst>
+                                      </p:cBhvr>
+                                      <p:to>
+                                        <p:strVal val="visible"/>
+                                      </p:to>
+                                    </p:set>
+                                    <p:anim calcmode="lin" valueType="num">
+                                      <p:cBhvr additive="base">
+                                        <p:cTn id="45" dur="500" fill="hold"/>
+                                        <p:tgtEl>
+                                          <p:spTgt spid="17"/>
+                                        </p:tgtEl>
+                                        <p:attrNameLst>
+                                          <p:attrName>ppt_x</p:attrName>
+                                        </p:attrNameLst>
+                                      </p:cBhvr>
+                                      <p:tavLst>
+                                        <p:tav tm="0">
+                                          <p:val>
+                                            <p:strVal val="#ppt_x"/>
+                                          </p:val>
+                                        </p:tav>
+                                        <p:tav tm="100000">
+                                          <p:val>
+                                            <p:strVal val="#ppt_x"/>
+                                          </p:val>
+                                        </p:tav>
+                                      </p:tavLst>
+                                    </p:anim>
+                                    <p:anim calcmode="lin" valueType="num">
+                                      <p:cBhvr additive="base">
+                                        <p:cTn id="46" dur="500" fill="hold"/>
+                                        <p:tgtEl>
+                                          <p:spTgt spid="17"/>
+                                        </p:tgtEl>
+                                        <p:attrNameLst>
+                                          <p:attrName>ppt_y</p:attrName>
+                                        </p:attrNameLst>
+                                      </p:cBhvr>
+                                      <p:tavLst>
+                                        <p:tav tm="0">
+                                          <p:val>
+                                            <p:strVal val="1+#ppt_h/2"/>
+                                          </p:val>
+                                        </p:tav>
+                                        <p:tav tm="100000">
+                                          <p:val>
+                                            <p:strVal val="#ppt_y"/>
+                                          </p:val>
+                                        </p:tav>
+                                      </p:tavLst>
+                                    </p:anim>
+                                  </p:childTnLst>
+                                </p:cTn>
+                              </p:par>
+                            </p:childTnLst>
+                          </p:cTn>
+                        </p:par>
+                      </p:childTnLst>
+                    </p:cTn>
+                  </p:par>
+                  <p:par>
+                    <p:cTn id="47" fill="hold">
+                      <p:stCondLst>
+                        <p:cond delay="indefinite"/>
+                      </p:stCondLst>
+                      <p:childTnLst>
+                        <p:par>
+                          <p:cTn id="48" fill="hold">
+                            <p:stCondLst>
+                              <p:cond delay="0"/>
+                            </p:stCondLst>
+                            <p:childTnLst>
+                              <p:par>
+                                <p:cTn id="49" presetID="1" presetClass="entr" presetSubtype="0" fill="hold" nodeType="clickEffect">
+                                  <p:stCondLst>
+                                    <p:cond delay="0"/>
+                                  </p:stCondLst>
+                                  <p:childTnLst>
+                                    <p:set>
+                                      <p:cBhvr>
+                                        <p:cTn id="50" dur="1" fill="hold">
+                                          <p:stCondLst>
+                                            <p:cond delay="0"/>
+                                          </p:stCondLst>
+                                        </p:cTn>
+                                        <p:tgtEl>
+                                          <p:spTgt spid="4">
+                                            <p:txEl>
+                                              <p:pRg st="4" end="4"/>
+                                            </p:txEl>
+                                          </p:spTgt>
+                                        </p:tgtEl>
+                                        <p:attrNameLst>
+                                          <p:attrName>style.visibility</p:attrName>
+                                        </p:attrNameLst>
+                                      </p:cBhvr>
+                                      <p:to>
+                                        <p:strVal val="visible"/>
+                                      </p:to>
+                                    </p:set>
+                                  </p:childTnLst>
+                                </p:cTn>
+                              </p:par>
+                              <p:par>
+                                <p:cTn id="51" presetID="2" presetClass="entr" presetSubtype="4" fill="hold" grpId="0" nodeType="withEffect">
+                                  <p:stCondLst>
+                                    <p:cond delay="0"/>
+                                  </p:stCondLst>
+                                  <p:childTnLst>
+                                    <p:set>
+                                      <p:cBhvr>
+                                        <p:cTn id="52" dur="1" fill="hold">
+                                          <p:stCondLst>
+                                            <p:cond delay="0"/>
+                                          </p:stCondLst>
+                                        </p:cTn>
+                                        <p:tgtEl>
+                                          <p:spTgt spid="19"/>
+                                        </p:tgtEl>
+                                        <p:attrNameLst>
+                                          <p:attrName>style.visibility</p:attrName>
+                                        </p:attrNameLst>
+                                      </p:cBhvr>
+                                      <p:to>
+                                        <p:strVal val="visible"/>
+                                      </p:to>
+                                    </p:set>
+                                    <p:anim calcmode="lin" valueType="num">
+                                      <p:cBhvr additive="base">
+                                        <p:cTn id="53" dur="500" fill="hold"/>
+                                        <p:tgtEl>
+                                          <p:spTgt spid="19"/>
+                                        </p:tgtEl>
+                                        <p:attrNameLst>
+                                          <p:attrName>ppt_x</p:attrName>
+                                        </p:attrNameLst>
+                                      </p:cBhvr>
+                                      <p:tavLst>
+                                        <p:tav tm="0">
+                                          <p:val>
+                                            <p:strVal val="#ppt_x"/>
+                                          </p:val>
+                                        </p:tav>
+                                        <p:tav tm="100000">
+                                          <p:val>
+                                            <p:strVal val="#ppt_x"/>
+                                          </p:val>
+                                        </p:tav>
+                                      </p:tavLst>
+                                    </p:anim>
+                                    <p:anim calcmode="lin" valueType="num">
+                                      <p:cBhvr additive="base">
+                                        <p:cTn id="54" dur="500" fill="hold"/>
+                                        <p:tgtEl>
+                                          <p:spTgt spid="19"/>
+                                        </p:tgtEl>
+                                        <p:attrNameLst>
+                                          <p:attrName>ppt_y</p:attrName>
+                                        </p:attrNameLst>
+                                      </p:cBhvr>
+                                      <p:tavLst>
+                                        <p:tav tm="0">
+                                          <p:val>
+                                            <p:strVal val="1+#ppt_h/2"/>
+                                          </p:val>
+                                        </p:tav>
+                                        <p:tav tm="100000">
+                                          <p:val>
+                                            <p:strVal val="#ppt_y"/>
+                                          </p:val>
+                                        </p:tav>
+                                      </p:tavLst>
+                                    </p:anim>
+                                  </p:childTnLst>
+                                </p:cTn>
+                              </p:par>
+                              <p:par>
+                                <p:cTn id="55" presetID="2" presetClass="entr" presetSubtype="4" fill="hold" grpId="0" nodeType="withEffect">
+                                  <p:stCondLst>
+                                    <p:cond delay="0"/>
+                                  </p:stCondLst>
+                                  <p:childTnLst>
+                                    <p:set>
+                                      <p:cBhvr>
+                                        <p:cTn id="56" dur="1" fill="hold">
+                                          <p:stCondLst>
+                                            <p:cond delay="0"/>
+                                          </p:stCondLst>
+                                        </p:cTn>
+                                        <p:tgtEl>
+                                          <p:spTgt spid="20"/>
+                                        </p:tgtEl>
+                                        <p:attrNameLst>
+                                          <p:attrName>style.visibility</p:attrName>
+                                        </p:attrNameLst>
+                                      </p:cBhvr>
+                                      <p:to>
+                                        <p:strVal val="visible"/>
+                                      </p:to>
+                                    </p:set>
+                                    <p:anim calcmode="lin" valueType="num">
+                                      <p:cBhvr additive="base">
+                                        <p:cTn id="57" dur="500" fill="hold"/>
+                                        <p:tgtEl>
+                                          <p:spTgt spid="20"/>
+                                        </p:tgtEl>
+                                        <p:attrNameLst>
+                                          <p:attrName>ppt_x</p:attrName>
+                                        </p:attrNameLst>
+                                      </p:cBhvr>
+                                      <p:tavLst>
+                                        <p:tav tm="0">
+                                          <p:val>
+                                            <p:strVal val="#ppt_x"/>
+                                          </p:val>
+                                        </p:tav>
+                                        <p:tav tm="100000">
+                                          <p:val>
+                                            <p:strVal val="#ppt_x"/>
+                                          </p:val>
+                                        </p:tav>
+                                      </p:tavLst>
+                                    </p:anim>
+                                    <p:anim calcmode="lin" valueType="num">
+                                      <p:cBhvr additive="base">
+                                        <p:cTn id="58" dur="500" fill="hold"/>
+                                        <p:tgtEl>
+                                          <p:spTgt spid="20"/>
+                                        </p:tgtEl>
+                                        <p:attrNameLst>
+                                          <p:attrName>ppt_y</p:attrName>
+                                        </p:attrNameLst>
+                                      </p:cBhvr>
+                                      <p:tavLst>
+                                        <p:tav tm="0">
+                                          <p:val>
+                                            <p:strVal val="1+#ppt_h/2"/>
+                                          </p:val>
+                                        </p:tav>
+                                        <p:tav tm="100000">
+                                          <p:val>
+                                            <p:strVal val="#ppt_y"/>
+                                          </p:val>
+                                        </p:tav>
+                                      </p:tavLst>
+                                    </p:anim>
+                                  </p:childTnLst>
+                                </p:cTn>
+                              </p:par>
+                              <p:par>
+                                <p:cTn id="59" presetID="2" presetClass="entr" presetSubtype="4" fill="hold" nodeType="withEffect">
+                                  <p:stCondLst>
+                                    <p:cond delay="0"/>
+                                  </p:stCondLst>
+                                  <p:childTnLst>
+                                    <p:set>
+                                      <p:cBhvr>
+                                        <p:cTn id="60" dur="1" fill="hold">
+                                          <p:stCondLst>
+                                            <p:cond delay="0"/>
+                                          </p:stCondLst>
+                                        </p:cTn>
+                                        <p:tgtEl>
+                                          <p:spTgt spid="5"/>
+                                        </p:tgtEl>
+                                        <p:attrNameLst>
+                                          <p:attrName>style.visibility</p:attrName>
+                                        </p:attrNameLst>
+                                      </p:cBhvr>
+                                      <p:to>
+                                        <p:strVal val="visible"/>
+                                      </p:to>
+                                    </p:set>
+                                    <p:anim calcmode="lin" valueType="num">
+                                      <p:cBhvr additive="base">
+                                        <p:cTn id="61" dur="500" fill="hold"/>
+                                        <p:tgtEl>
+                                          <p:spTgt spid="5"/>
+                                        </p:tgtEl>
+                                        <p:attrNameLst>
+                                          <p:attrName>ppt_x</p:attrName>
+                                        </p:attrNameLst>
+                                      </p:cBhvr>
+                                      <p:tavLst>
+                                        <p:tav tm="0">
+                                          <p:val>
+                                            <p:strVal val="#ppt_x"/>
+                                          </p:val>
+                                        </p:tav>
+                                        <p:tav tm="100000">
+                                          <p:val>
+                                            <p:strVal val="#ppt_x"/>
+                                          </p:val>
+                                        </p:tav>
+                                      </p:tavLst>
+                                    </p:anim>
+                                    <p:anim calcmode="lin" valueType="num">
+                                      <p:cBhvr additive="base">
+                                        <p:cTn id="62" dur="500" fill="hold"/>
+                                        <p:tgtEl>
+                                          <p:spTgt spid="5"/>
+                                        </p:tgtEl>
+                                        <p:attrNameLst>
+                                          <p:attrName>ppt_y</p:attrName>
+                                        </p:attrNameLst>
+                                      </p:cBhvr>
+                                      <p:tavLst>
+                                        <p:tav tm="0">
+                                          <p:val>
+                                            <p:strVal val="1+#ppt_h/2"/>
+                                          </p:val>
+                                        </p:tav>
+                                        <p:tav tm="100000">
+                                          <p:val>
+                                            <p:strVal val="#ppt_y"/>
+                                          </p:val>
+                                        </p:tav>
+                                      </p:tavLst>
+                                    </p:anim>
+                                  </p:childTnLst>
+                                </p:cTn>
+                              </p:par>
+                              <p:par>
+                                <p:cTn id="63" presetID="2" presetClass="entr" presetSubtype="4" fill="hold" nodeType="withEffect">
+                                  <p:stCondLst>
+                                    <p:cond delay="0"/>
+                                  </p:stCondLst>
+                                  <p:childTnLst>
+                                    <p:set>
+                                      <p:cBhvr>
+                                        <p:cTn id="64" dur="1" fill="hold">
+                                          <p:stCondLst>
+                                            <p:cond delay="0"/>
+                                          </p:stCondLst>
+                                        </p:cTn>
+                                        <p:tgtEl>
+                                          <p:spTgt spid="21"/>
+                                        </p:tgtEl>
+                                        <p:attrNameLst>
+                                          <p:attrName>style.visibility</p:attrName>
+                                        </p:attrNameLst>
+                                      </p:cBhvr>
+                                      <p:to>
+                                        <p:strVal val="visible"/>
+                                      </p:to>
+                                    </p:set>
+                                    <p:anim calcmode="lin" valueType="num">
+                                      <p:cBhvr additive="base">
+                                        <p:cTn id="65" dur="500" fill="hold"/>
+                                        <p:tgtEl>
+                                          <p:spTgt spid="21"/>
+                                        </p:tgtEl>
+                                        <p:attrNameLst>
+                                          <p:attrName>ppt_x</p:attrName>
+                                        </p:attrNameLst>
+                                      </p:cBhvr>
+                                      <p:tavLst>
+                                        <p:tav tm="0">
+                                          <p:val>
+                                            <p:strVal val="#ppt_x"/>
+                                          </p:val>
+                                        </p:tav>
+                                        <p:tav tm="100000">
+                                          <p:val>
+                                            <p:strVal val="#ppt_x"/>
+                                          </p:val>
+                                        </p:tav>
+                                      </p:tavLst>
+                                    </p:anim>
+                                    <p:anim calcmode="lin" valueType="num">
+                                      <p:cBhvr additive="base">
+                                        <p:cTn id="66" dur="500" fill="hold"/>
+                                        <p:tgtEl>
+                                          <p:spTgt spid="21"/>
+                                        </p:tgtEl>
+                                        <p:attrNameLst>
+                                          <p:attrName>ppt_y</p:attrName>
+                                        </p:attrNameLst>
+                                      </p:cBhvr>
+                                      <p:tavLst>
+                                        <p:tav tm="0">
+                                          <p:val>
+                                            <p:strVal val="1+#ppt_h/2"/>
+                                          </p:val>
+                                        </p:tav>
+                                        <p:tav tm="100000">
+                                          <p:val>
+                                            <p:strVal val="#ppt_y"/>
+                                          </p:val>
+                                        </p:tav>
+                                      </p:tavLst>
+                                    </p:anim>
+                                  </p:childTnLst>
+                                </p:cTn>
+                              </p:par>
+                              <p:par>
+                                <p:cTn id="67" presetID="1" presetClass="entr" presetSubtype="0" fill="hold" nodeType="withEffect">
+                                  <p:stCondLst>
+                                    <p:cond delay="0"/>
+                                  </p:stCondLst>
+                                  <p:childTnLst>
+                                    <p:set>
+                                      <p:cBhvr>
+                                        <p:cTn id="68" dur="1" fill="hold">
+                                          <p:stCondLst>
+                                            <p:cond delay="0"/>
+                                          </p:stCondLst>
+                                        </p:cTn>
+                                        <p:tgtEl>
+                                          <p:spTgt spid="4">
+                                            <p:txEl>
+                                              <p:pRg st="5" end="5"/>
+                                            </p:txEl>
+                                          </p:spTgt>
+                                        </p:tgtEl>
+                                        <p:attrNameLst>
+                                          <p:attrName>style.visibility</p:attrName>
+                                        </p:attrNameLst>
+                                      </p:cBhvr>
+                                      <p:to>
+                                        <p:strVal val="visible"/>
+                                      </p:to>
+                                    </p:set>
+                                  </p:childTnLst>
+                                </p:cTn>
+                              </p:par>
+                            </p:childTnLst>
+                          </p:cTn>
+                        </p:par>
+                      </p:childTnLst>
+                    </p:cTn>
+                  </p:par>
+                </p:childTnLst>
+              </p:cTn>
+              <p:prevCondLst>
+                <p:cond evt="onPrev" delay="0">
+                  <p:tgtEl>
+                    <p:sldTgt/>
+                  </p:tgtEl>
+                </p:cond>
+              </p:prevCondLst>
+              <p:nextCondLst>
+                <p:cond evt="onNext" delay="0">
+                  <p:tgtEl>
+                    <p:sldTgt/>
+                  </p:tgtEl>
+                </p:cond>
+              </p:nextCondLst>
+            </p:seq>
+          </p:childTnLst>
+        </p:cTn>
       </p:par>
     </p:tnLst>
+    <p:bldLst>
+      <p:bldP spid="3" grpId="0" animBg="1"/>
+      <p:bldP spid="8" grpId="0" animBg="1"/>
+      <p:bldP spid="9" grpId="0" animBg="1"/>
+      <p:bldP spid="10" grpId="0" animBg="1"/>
+      <p:bldP spid="14" grpId="0" animBg="1"/>
+      <p:bldP spid="15" grpId="0" animBg="1"/>
+      <p:bldP spid="16" grpId="0" animBg="1"/>
+      <p:bldP spid="17" grpId="0" animBg="1"/>
+      <p:bldP spid="19" grpId="0" animBg="1"/>
+      <p:bldP spid="20" grpId="0" animBg="1"/>
+    </p:bldLst>
   </p:timing>
 </p:sld>
 </file>
@@ -7368,11 +9533,7 @@
             </a:r>
             <a:r>
               <a:rPr lang="en-US" altLang="zh-CN" sz="2400" dirty="0"/>
-              <a:t>DESCRIPTION OF THE </a:t>
-            </a:r>
-            <a:r>
-              <a:rPr lang="en-US" altLang="zh-CN" sz="2400" dirty="0"/>
-              <a:t>CAMR SCHEME(Shuffle </a:t>
+              <a:t>DESCRIPTION OF THE CAMR SCHEME(Shuffle </a:t>
             </a:r>
             <a:r>
               <a:rPr lang="en-US" altLang="zh-CN" sz="2400" dirty="0" smtClean="0"/>
@@ -7382,8 +9543,8 @@
           </a:p>
         </p:txBody>
       </p:sp>
-      <mc:AlternateContent xmlns:mc="http://schemas.openxmlformats.org/markup-compatibility/2006">
-        <mc:Choice xmlns:a14="http://schemas.microsoft.com/office/drawing/2010/main" Requires="a14">
+      <mc:AlternateContent xmlns:mc="http://schemas.openxmlformats.org/markup-compatibility/2006" xmlns:a14="http://schemas.microsoft.com/office/drawing/2010/main">
+        <mc:Choice Requires="a14">
           <p:sp>
             <p:nvSpPr>
               <p:cNvPr id="24" name="文本框 23"/>
@@ -7406,7 +9567,6 @@
               </a:bodyPr>
               <a:lstStyle/>
               <a:p>
-                <a:pPr/>
                 <a:r>
                   <a:rPr lang="en-US" altLang="zh-CN" b="1" dirty="0" smtClean="0"/>
                   <a:t>Stage3</a:t>
@@ -7422,18 +9582,15 @@
                 <a:endParaRPr lang="en-US" altLang="zh-CN" dirty="0" smtClean="0"/>
               </a:p>
               <a:p>
-                <a:pPr/>
                 <a:endParaRPr lang="en-US" altLang="zh-CN" dirty="0" smtClean="0"/>
               </a:p>
               <a:p>
-                <a:pPr/>
                 <a:r>
                   <a:rPr lang="en-US" altLang="zh-CN" dirty="0" smtClean="0"/>
                   <a:t>Example</a:t>
                 </a:r>
               </a:p>
               <a:p>
-                <a:pPr/>
                 <a:r>
                   <a:rPr lang="en-US" altLang="zh-CN" dirty="0"/>
                   <a:t>K=Q=6  </a:t>
@@ -7444,27 +9601,21 @@
                 </a:r>
               </a:p>
               <a:p>
-                <a:pPr/>
                 <a:endParaRPr lang="en-US" altLang="zh-CN" dirty="0"/>
               </a:p>
               <a:p>
-                <a:pPr/>
                 <a:endParaRPr lang="en-US" altLang="zh-CN" dirty="0" smtClean="0"/>
               </a:p>
               <a:p>
-                <a:pPr/>
                 <a:endParaRPr lang="en-US" altLang="zh-CN" dirty="0"/>
               </a:p>
               <a:p>
-                <a:pPr/>
                 <a:endParaRPr lang="en-US" altLang="zh-CN" dirty="0" smtClean="0"/>
               </a:p>
               <a:p>
-                <a:pPr/>
                 <a:endParaRPr lang="en-US" altLang="zh-CN" dirty="0" smtClean="0"/>
               </a:p>
               <a:p>
-                <a:pPr/>
                 <a:r>
                   <a:rPr lang="zh-CN" altLang="en-US" dirty="0" smtClean="0"/>
                   <a:t>比如考虑</a:t>
@@ -7512,31 +9663,24 @@
                 <a:endParaRPr lang="en-US" altLang="zh-CN" dirty="0"/>
               </a:p>
               <a:p>
-                <a:pPr/>
                 <a:endParaRPr lang="en-US" altLang="zh-CN" dirty="0" smtClean="0"/>
               </a:p>
               <a:p>
-                <a:pPr/>
                 <a:endParaRPr lang="en-US" altLang="zh-CN" dirty="0"/>
               </a:p>
               <a:p>
-                <a:pPr/>
                 <a:endParaRPr lang="en-US" altLang="zh-CN" dirty="0" smtClean="0"/>
               </a:p>
               <a:p>
-                <a:pPr/>
                 <a:endParaRPr lang="en-US" altLang="zh-CN" dirty="0"/>
               </a:p>
               <a:p>
-                <a:pPr/>
                 <a:endParaRPr lang="en-US" altLang="zh-CN" dirty="0" smtClean="0"/>
               </a:p>
               <a:p>
-                <a:pPr/>
                 <a:endParaRPr lang="en-US" altLang="zh-CN" dirty="0"/>
               </a:p>
               <a:p>
-                <a:pPr/>
                 <a:r>
                   <a:rPr lang="zh-CN" altLang="en-US" dirty="0" smtClean="0">
                     <a:latin typeface="Cambria Math" panose="02040503050406030204" pitchFamily="18" charset="0"/>
@@ -7560,7 +9704,6 @@
                 </a:endParaRPr>
               </a:p>
               <a:p>
-                <a:pPr/>
                 <a:endParaRPr lang="en-US" altLang="zh-CN" i="1" dirty="0" smtClean="0">
                   <a:latin typeface="Cambria Math" panose="02040503050406030204" pitchFamily="18" charset="0"/>
                 </a:endParaRPr>
@@ -7696,17 +9839,15 @@
                 <a:endParaRPr lang="en-US" altLang="zh-CN" dirty="0" smtClean="0"/>
               </a:p>
               <a:p>
-                <a:pPr/>
                 <a:endParaRPr lang="en-US" altLang="zh-CN" dirty="0"/>
               </a:p>
               <a:p>
-                <a:pPr/>
                 <a:endParaRPr lang="en-US" altLang="zh-CN" dirty="0"/>
               </a:p>
             </p:txBody>
           </p:sp>
         </mc:Choice>
-        <mc:Fallback>
+        <mc:Fallback xmlns="">
           <p:sp>
             <p:nvSpPr>
               <p:cNvPr id="24" name="文本框 23"/>
@@ -7934,15 +10075,12 @@
           </a:bodyPr>
           <a:lstStyle/>
           <a:p>
-            <a:pPr/>
             <a:endParaRPr lang="en-US" altLang="zh-CN" dirty="0" smtClean="0"/>
           </a:p>
           <a:p>
-            <a:pPr/>
             <a:endParaRPr lang="en-US" altLang="zh-CN" dirty="0"/>
           </a:p>
           <a:p>
-            <a:pPr/>
             <a:endParaRPr lang="en-US" altLang="zh-CN" dirty="0"/>
           </a:p>
         </p:txBody>
@@ -8142,8 +10280,8 @@
           </a:prstGeom>
         </p:spPr>
       </p:pic>
-      <mc:AlternateContent xmlns:mc="http://schemas.openxmlformats.org/markup-compatibility/2006">
-        <mc:Choice xmlns:a14="http://schemas.microsoft.com/office/drawing/2010/main" Requires="a14">
+      <mc:AlternateContent xmlns:mc="http://schemas.openxmlformats.org/markup-compatibility/2006" xmlns:a14="http://schemas.microsoft.com/office/drawing/2010/main">
+        <mc:Choice Requires="a14">
           <p:sp>
             <p:nvSpPr>
               <p:cNvPr id="9" name="文本框 8"/>
@@ -8166,7 +10304,6 @@
               </a:bodyPr>
               <a:lstStyle/>
               <a:p>
-                <a:pPr/>
                 <a14:m>
                   <m:oMath xmlns:m="http://schemas.openxmlformats.org/officeDocument/2006/math">
                     <m:sSub>
@@ -8373,7 +10510,7 @@
             </p:txBody>
           </p:sp>
         </mc:Choice>
-        <mc:Fallback>
+        <mc:Fallback xmlns="">
           <p:sp>
             <p:nvSpPr>
               <p:cNvPr id="9" name="文本框 8"/>
@@ -8602,7 +10739,6 @@
               <a:rPr lang="en-US" altLang="zh-CN" sz="2400" dirty="0" smtClean="0"/>
               <a:t>PROBLEM FORMULATION</a:t>
             </a:r>
-            <a:endParaRPr lang="en-US" altLang="zh-CN" sz="2400" dirty="0" smtClean="0"/>
           </a:p>
           <a:p>
             <a:pPr marL="457200" indent="-457200">
@@ -8901,11 +11037,7 @@
             </a:r>
             <a:r>
               <a:rPr lang="en-US" altLang="zh-CN" sz="2000" dirty="0" smtClean="0"/>
-              <a:t> </a:t>
-            </a:r>
-            <a:r>
-              <a:rPr lang="en-US" altLang="zh-CN" sz="2000" dirty="0" smtClean="0"/>
-              <a:t>the Reduce </a:t>
+              <a:t> the Reduce </a:t>
             </a:r>
             <a:r>
               <a:rPr lang="en-US" altLang="zh-CN" sz="2000" dirty="0"/>
@@ -9100,7 +11232,6 @@
               <a:rPr lang="en-US" altLang="zh-CN" dirty="0"/>
               <a:t>2018 IEEE International Symposium on Information Theory (ISIT)</a:t>
             </a:r>
-            <a:endParaRPr lang="en-US" altLang="zh-CN" dirty="0"/>
           </a:p>
         </p:txBody>
       </p:sp>
@@ -9189,18 +11320,14 @@
           <a:p>
             <a:r>
               <a:rPr lang="en-US" altLang="zh-CN" sz="2400" dirty="0"/>
-              <a:t>1. </a:t>
-            </a:r>
-            <a:r>
-              <a:rPr lang="en-US" altLang="zh-CN" sz="2400" dirty="0"/>
-              <a:t>INTRODUCTION(Main contributions of our work)</a:t>
+              <a:t>1. INTRODUCTION(Main contributions of our work)</a:t>
             </a:r>
             <a:endParaRPr lang="zh-CN" altLang="en-US" sz="2400" dirty="0"/>
           </a:p>
         </p:txBody>
       </p:sp>
-      <mc:AlternateContent xmlns:mc="http://schemas.openxmlformats.org/markup-compatibility/2006">
-        <mc:Choice xmlns:a14="http://schemas.microsoft.com/office/drawing/2010/main" Requires="a14">
+      <mc:AlternateContent xmlns:mc="http://schemas.openxmlformats.org/markup-compatibility/2006" xmlns:a14="http://schemas.microsoft.com/office/drawing/2010/main">
+        <mc:Choice Requires="a14">
           <p:sp>
             <p:nvSpPr>
               <p:cNvPr id="3" name="内容占位符 2"/>
@@ -9358,13 +11485,7 @@
                               <a:rPr lang="en-US" altLang="zh-CN" sz="2000" i="1">
                                 <a:latin typeface="Cambria Math" panose="02040503050406030204" pitchFamily="18" charset="0"/>
                               </a:rPr>
-                              <m:t>+</m:t>
-                            </m:r>
-                            <m:r>
-                              <a:rPr lang="en-US" altLang="zh-CN" sz="2000" i="1">
-                                <a:latin typeface="Cambria Math" panose="02040503050406030204" pitchFamily="18" charset="0"/>
-                              </a:rPr>
-                              <m:t>1</m:t>
+                              <m:t>+1</m:t>
                             </m:r>
                           </m:den>
                         </m:f>
@@ -9508,7 +11629,6 @@
                   <a:rPr lang="en-US" altLang="zh-CN" sz="2000" dirty="0"/>
                   <a:t>load of CAMR</a:t>
                 </a:r>
-                <a:endParaRPr lang="en-US" altLang="zh-CN" sz="2000" dirty="0"/>
               </a:p>
               <a:p>
                 <a:endParaRPr lang="en-US" altLang="zh-CN" sz="2000" dirty="0" smtClean="0"/>
@@ -9523,7 +11643,7 @@
             </p:txBody>
           </p:sp>
         </mc:Choice>
-        <mc:Fallback>
+        <mc:Fallback xmlns="">
           <p:sp>
             <p:nvSpPr>
               <p:cNvPr id="3" name="内容占位符 2"/>
@@ -9640,8 +11760,8 @@
           </a:p>
         </p:txBody>
       </p:sp>
-      <mc:AlternateContent xmlns:mc="http://schemas.openxmlformats.org/markup-compatibility/2006">
-        <mc:Choice xmlns:a14="http://schemas.microsoft.com/office/drawing/2010/main" Requires="a14">
+      <mc:AlternateContent xmlns:mc="http://schemas.openxmlformats.org/markup-compatibility/2006" xmlns:a14="http://schemas.microsoft.com/office/drawing/2010/main">
+        <mc:Choice Requires="a14">
           <p:sp>
             <p:nvSpPr>
               <p:cNvPr id="5" name="文本框 4"/>
@@ -11413,11 +13533,7 @@
                 </a:r>
                 <a:r>
                   <a:rPr lang="zh-CN" altLang="en-US" dirty="0" smtClean="0"/>
-                  <a:t>用</a:t>
-                </a:r>
-                <a:r>
-                  <a:rPr lang="zh-CN" altLang="en-US" dirty="0" smtClean="0"/>
-                  <a:t>到</a:t>
+                  <a:t>用到</a:t>
                 </a:r>
                 <a:r>
                   <a:rPr lang="en-US" altLang="zh-CN" dirty="0" smtClean="0"/>
@@ -11437,7 +13553,6 @@
                   <a:rPr lang="en-US" altLang="zh-CN" dirty="0" smtClean="0"/>
                   <a:t>Q=K</a:t>
                 </a:r>
-                <a:endParaRPr lang="en-US" altLang="zh-CN" dirty="0" smtClean="0"/>
               </a:p>
               <a:p>
                 <a:pPr marL="285750" indent="-285750">
@@ -11449,7 +13564,7 @@
             </p:txBody>
           </p:sp>
         </mc:Choice>
-        <mc:Fallback>
+        <mc:Fallback xmlns="">
           <p:sp>
             <p:nvSpPr>
               <p:cNvPr id="5" name="文本框 4"/>
@@ -11567,8 +13682,8 @@
           </a:p>
         </p:txBody>
       </p:sp>
-      <mc:AlternateContent xmlns:mc="http://schemas.openxmlformats.org/markup-compatibility/2006">
-        <mc:Choice xmlns:a14="http://schemas.microsoft.com/office/drawing/2010/main" Requires="a14">
+      <mc:AlternateContent xmlns:mc="http://schemas.openxmlformats.org/markup-compatibility/2006" xmlns:a14="http://schemas.microsoft.com/office/drawing/2010/main">
+        <mc:Choice Requires="a14">
           <p:sp>
             <p:nvSpPr>
               <p:cNvPr id="5" name="文本框 4"/>
@@ -11640,11 +13755,7 @@
                 </a:pPr>
                 <a:r>
                   <a:rPr lang="en-US" altLang="zh-CN" b="1" dirty="0" smtClean="0"/>
-                  <a:t>Map </a:t>
-                </a:r>
-                <a:r>
-                  <a:rPr lang="en-US" altLang="zh-CN" b="1" dirty="0" smtClean="0"/>
-                  <a:t>phase:</a:t>
+                  <a:t>Map phase:</a:t>
                 </a:r>
                 <a:r>
                   <a:rPr lang="zh-CN" altLang="en-US" dirty="0" smtClean="0"/>
@@ -11664,23 +13775,11 @@
                 </a:r>
                 <a:r>
                   <a:rPr lang="zh-CN" altLang="en-US" dirty="0" smtClean="0"/>
-                  <a:t>个中间值，其大小</a:t>
-                </a:r>
-                <a:r>
-                  <a:rPr lang="zh-CN" altLang="en-US" dirty="0" smtClean="0"/>
-                  <a:t>为</a:t>
+                  <a:t>个中间值，其大小为</a:t>
                 </a:r>
                 <a:r>
                   <a:rPr lang="en-US" altLang="zh-CN" dirty="0" smtClean="0"/>
-                  <a:t>B</a:t>
-                </a:r>
-                <a:r>
-                  <a:rPr lang="en-US" altLang="zh-CN" dirty="0" smtClean="0"/>
-                  <a:t> </a:t>
-                </a:r>
-                <a:r>
-                  <a:rPr lang="en-US" altLang="zh-CN" dirty="0" smtClean="0"/>
-                  <a:t>bits</a:t>
+                  <a:t>B bits</a:t>
                 </a:r>
               </a:p>
               <a:p>
@@ -11984,7 +14083,7 @@
             </p:txBody>
           </p:sp>
         </mc:Choice>
-        <mc:Fallback>
+        <mc:Fallback xmlns="">
           <p:sp>
             <p:nvSpPr>
               <p:cNvPr id="5" name="文本框 4"/>
@@ -12210,11 +14309,7 @@
             </a:r>
             <a:r>
               <a:rPr lang="en-US" altLang="zh-CN" sz="2400" dirty="0"/>
-              <a:t>DESCRIPTION OF THE </a:t>
-            </a:r>
-            <a:r>
-              <a:rPr lang="en-US" altLang="zh-CN" sz="2400" dirty="0"/>
-              <a:t>CAMR SCHEME(Job assignment)</a:t>
+              <a:t>DESCRIPTION OF THE CAMR SCHEME(Job assignment)</a:t>
             </a:r>
             <a:endParaRPr lang="zh-CN" altLang="en-US" sz="2400" dirty="0"/>
           </a:p>
@@ -12244,7 +14339,6 @@
               </a:bodyPr>
               <a:lstStyle/>
               <a:p>
-                <a:pPr/>
                 <a14:m>
                   <m:oMath xmlns:m="http://schemas.openxmlformats.org/officeDocument/2006/math">
                     <m:sSup>
@@ -12463,7 +14557,6 @@
                 <a:endParaRPr lang="en-US" altLang="zh-CN" dirty="0" smtClean="0"/>
               </a:p>
               <a:p>
-                <a:pPr/>
                 <a14:m>
                   <m:oMath xmlns:m="http://schemas.openxmlformats.org/officeDocument/2006/math">
                     <m:sSub>
@@ -12499,7 +14592,7 @@
                           <a:rPr lang="en-US" altLang="zh-CN" b="0" i="1" dirty="0" smtClean="0">
                             <a:latin typeface="Cambria Math" panose="02040503050406030204" pitchFamily="18" charset="0"/>
                           </a:rPr>
-                          <m:t>𝑗</m:t>
+                          <m:t>𝑙</m:t>
                         </m:r>
                       </m:sub>
                     </m:sSub>
@@ -12750,13 +14843,7 @@
                               <a:rPr lang="en-US" altLang="zh-CN" i="1">
                                 <a:latin typeface="Cambria Math" panose="02040503050406030204" pitchFamily="18" charset="0"/>
                               </a:rPr>
-                              <m:t>+</m:t>
-                            </m:r>
-                            <m:r>
-                              <a:rPr lang="en-US" altLang="zh-CN" i="1">
-                                <a:latin typeface="Cambria Math" panose="02040503050406030204" pitchFamily="18" charset="0"/>
-                              </a:rPr>
-                              <m:t>1</m:t>
+                              <m:t>+1</m:t>
                             </m:r>
                           </m:den>
                         </m:f>
@@ -12964,10 +15051,10 @@
                           <m:t>,</m:t>
                         </m:r>
                         <m:r>
-                          <a:rPr lang="en-US" altLang="zh-CN" i="1" dirty="0">
-                            <a:latin typeface="Cambria Math" panose="02040503050406030204" pitchFamily="18" charset="0"/>
-                          </a:rPr>
-                          <m:t>𝑗</m:t>
+                          <a:rPr lang="en-US" altLang="zh-CN" b="0" i="1" dirty="0" smtClean="0">
+                            <a:latin typeface="Cambria Math" panose="02040503050406030204" pitchFamily="18" charset="0"/>
+                          </a:rPr>
+                          <m:t>𝑙</m:t>
                         </m:r>
                       </m:sub>
                     </m:sSub>
@@ -13030,7 +15117,7 @@
                               <m:t>,</m:t>
                             </m:r>
                             <m:r>
-                              <a:rPr lang="en-US" altLang="zh-CN" i="1" dirty="0">
+                              <a:rPr lang="en-US" altLang="zh-CN" b="0" i="1" dirty="0" smtClean="0">
                                 <a:latin typeface="Cambria Math" panose="02040503050406030204" pitchFamily="18" charset="0"/>
                               </a:rPr>
                               <m:t>𝑗</m:t>
@@ -13059,11 +15146,7 @@
                 </a:r>
                 <a:r>
                   <a:rPr lang="en-US" altLang="zh-CN" dirty="0"/>
-                  <a:t>1 ≤ i</a:t>
-                </a:r>
-                <a:r>
-                  <a:rPr lang="en-US" altLang="zh-CN" dirty="0"/>
-                  <a:t> ≤ </a:t>
+                  <a:t>1 ≤ i ≤ </a:t>
                 </a:r>
                 <a:r>
                   <a:rPr lang="en-US" altLang="zh-CN" dirty="0" smtClean="0"/>
@@ -13117,10 +15200,10 @@
                           <m:t>,</m:t>
                         </m:r>
                         <m:r>
-                          <a:rPr lang="en-US" altLang="zh-CN" i="1" dirty="0">
-                            <a:latin typeface="Cambria Math" panose="02040503050406030204" pitchFamily="18" charset="0"/>
-                          </a:rPr>
-                          <m:t>𝑗</m:t>
+                          <a:rPr lang="en-US" altLang="zh-CN" b="0" i="1" dirty="0" smtClean="0">
+                            <a:latin typeface="Cambria Math" panose="02040503050406030204" pitchFamily="18" charset="0"/>
+                          </a:rPr>
+                          <m:t>𝑙</m:t>
                         </m:r>
                       </m:sub>
                     </m:sSub>
@@ -13280,10 +15363,10 @@
                           <m:t>,</m:t>
                         </m:r>
                         <m:r>
-                          <a:rPr lang="en-US" altLang="zh-CN" i="1" dirty="0">
-                            <a:latin typeface="Cambria Math" panose="02040503050406030204" pitchFamily="18" charset="0"/>
-                          </a:rPr>
-                          <m:t>𝑗</m:t>
+                          <a:rPr lang="en-US" altLang="zh-CN" b="0" i="1" dirty="0" smtClean="0">
+                            <a:latin typeface="Cambria Math" panose="02040503050406030204" pitchFamily="18" charset="0"/>
+                          </a:rPr>
+                          <m:t>𝑙</m:t>
                         </m:r>
                       </m:sub>
                     </m:sSub>
@@ -13536,8 +15619,8 @@
           </a:prstGeom>
         </p:spPr>
       </p:pic>
-      <mc:AlternateContent xmlns:mc="http://schemas.openxmlformats.org/markup-compatibility/2006">
-        <mc:Choice xmlns:a14="http://schemas.microsoft.com/office/drawing/2010/main" Requires="a14">
+      <mc:AlternateContent xmlns:mc="http://schemas.openxmlformats.org/markup-compatibility/2006" xmlns:a14="http://schemas.microsoft.com/office/drawing/2010/main">
+        <mc:Choice Requires="a14">
           <p:sp>
             <p:nvSpPr>
               <p:cNvPr id="4" name="文本框 3"/>
@@ -13821,7 +15904,7 @@
             </p:txBody>
           </p:sp>
         </mc:Choice>
-        <mc:Fallback>
+        <mc:Fallback xmlns="">
           <p:sp>
             <p:nvSpPr>
               <p:cNvPr id="4" name="文本框 3"/>
@@ -14162,11 +16245,7 @@
             </a:r>
             <a:r>
               <a:rPr lang="en-US" altLang="zh-CN" sz="2400" dirty="0"/>
-              <a:t>DESCRIPTION OF THE </a:t>
-            </a:r>
-            <a:r>
-              <a:rPr lang="en-US" altLang="zh-CN" sz="2400" dirty="0"/>
-              <a:t>CAMR SCHEME(Job </a:t>
+              <a:t>DESCRIPTION OF THE CAMR SCHEME(Job </a:t>
             </a:r>
             <a:r>
               <a:rPr lang="en-US" altLang="zh-CN" sz="2400" dirty="0" smtClean="0"/>
@@ -14176,8 +16255,8 @@
           </a:p>
         </p:txBody>
       </p:sp>
-      <mc:AlternateContent xmlns:mc="http://schemas.openxmlformats.org/markup-compatibility/2006">
-        <mc:Choice xmlns:a14="http://schemas.microsoft.com/office/drawing/2010/main" Requires="a14">
+      <mc:AlternateContent xmlns:mc="http://schemas.openxmlformats.org/markup-compatibility/2006" xmlns:a14="http://schemas.microsoft.com/office/drawing/2010/main">
+        <mc:Choice Requires="a14">
           <p:sp>
             <p:nvSpPr>
               <p:cNvPr id="24" name="文本框 23"/>
@@ -14200,7 +16279,6 @@
               </a:bodyPr>
               <a:lstStyle/>
               <a:p>
-                <a:pPr/>
                 <a:r>
                   <a:rPr lang="en-US" altLang="zh-CN" dirty="0" smtClean="0"/>
                   <a:t>K=Q=6  N=6</a:t>
@@ -14505,7 +16583,6 @@
                 <a:endParaRPr lang="en-US" altLang="zh-CN" dirty="0" smtClean="0"/>
               </a:p>
               <a:p>
-                <a:pPr/>
                 <a14:m>
                   <m:oMath xmlns:m="http://schemas.openxmlformats.org/officeDocument/2006/math">
                     <m:m>
@@ -14989,11 +17066,9 @@
                 <a:endParaRPr lang="en-US" altLang="zh-CN" dirty="0" smtClean="0"/>
               </a:p>
               <a:p>
-                <a:pPr/>
                 <a:endParaRPr lang="en-US" altLang="zh-CN" dirty="0"/>
               </a:p>
               <a:p>
-                <a:pPr/>
                 <a14:m>
                   <m:oMath xmlns:m="http://schemas.openxmlformats.org/officeDocument/2006/math">
                     <m:sSub>
@@ -15026,10 +17101,10 @@
                           <m:t>,</m:t>
                         </m:r>
                         <m:r>
-                          <a:rPr lang="en-US" altLang="zh-CN" i="1" dirty="0">
-                            <a:latin typeface="Cambria Math" panose="02040503050406030204" pitchFamily="18" charset="0"/>
-                          </a:rPr>
-                          <m:t>𝑗</m:t>
+                          <a:rPr lang="en-US" altLang="zh-CN" b="0" i="1" dirty="0" smtClean="0">
+                            <a:latin typeface="Cambria Math" panose="02040503050406030204" pitchFamily="18" charset="0"/>
+                          </a:rPr>
+                          <m:t>𝑙</m:t>
                         </m:r>
                       </m:sub>
                     </m:sSub>
@@ -15137,7 +17212,6 @@
                 </a:r>
               </a:p>
               <a:p>
-                <a:pPr/>
                 <a14:m>
                   <m:oMath xmlns:m="http://schemas.openxmlformats.org/officeDocument/2006/math">
                     <m:sSub>
@@ -15161,19 +17235,7 @@
                           <a:rPr lang="en-US" altLang="zh-CN" i="1" dirty="0">
                             <a:latin typeface="Cambria Math" panose="02040503050406030204" pitchFamily="18" charset="0"/>
                           </a:rPr>
-                          <m:t>1</m:t>
-                        </m:r>
-                        <m:r>
-                          <a:rPr lang="en-US" altLang="zh-CN" i="1" dirty="0">
-                            <a:latin typeface="Cambria Math" panose="02040503050406030204" pitchFamily="18" charset="0"/>
-                          </a:rPr>
-                          <m:t>,</m:t>
-                        </m:r>
-                        <m:r>
-                          <a:rPr lang="en-US" altLang="zh-CN" i="1" dirty="0">
-                            <a:latin typeface="Cambria Math" panose="02040503050406030204" pitchFamily="18" charset="0"/>
-                          </a:rPr>
-                          <m:t>0</m:t>
+                          <m:t>1,0</m:t>
                         </m:r>
                       </m:sub>
                     </m:sSub>
@@ -15187,15 +17249,7 @@
                 </a14:m>
                 <a:r>
                   <a:rPr lang="en-US" altLang="zh-CN" dirty="0" smtClean="0"/>
-                  <a:t>{1</a:t>
-                </a:r>
-                <a:r>
-                  <a:rPr lang="en-US" altLang="zh-CN" dirty="0" smtClean="0"/>
-                  <a:t>,2</a:t>
-                </a:r>
-                <a:r>
-                  <a:rPr lang="en-US" altLang="zh-CN" dirty="0" smtClean="0"/>
-                  <a:t>}, </a:t>
+                  <a:t>{1,2}, </a:t>
                 </a:r>
                 <a14:m>
                   <m:oMath xmlns:m="http://schemas.openxmlformats.org/officeDocument/2006/math">
@@ -15428,13 +17482,7 @@
                           <a:rPr lang="en-US" altLang="zh-CN" i="1" dirty="0">
                             <a:latin typeface="Cambria Math" panose="02040503050406030204" pitchFamily="18" charset="0"/>
                           </a:rPr>
-                          <m:t>,</m:t>
-                        </m:r>
-                        <m:r>
-                          <a:rPr lang="en-US" altLang="zh-CN" i="1" dirty="0">
-                            <a:latin typeface="Cambria Math" panose="02040503050406030204" pitchFamily="18" charset="0"/>
-                          </a:rPr>
-                          <m:t>1</m:t>
+                          <m:t>,1</m:t>
                         </m:r>
                       </m:sub>
                     </m:sSub>
@@ -15477,7 +17525,6 @@
                 <a:endParaRPr lang="en-US" altLang="zh-CN" dirty="0"/>
               </a:p>
               <a:p>
-                <a:pPr/>
                 <a:r>
                   <a:rPr lang="zh-CN" altLang="en-US" dirty="0" smtClean="0"/>
                   <a:t>所以</a:t>
@@ -15485,17 +17532,15 @@
                 <a:endParaRPr lang="en-US" altLang="zh-CN" dirty="0" smtClean="0"/>
               </a:p>
               <a:p>
-                <a:pPr/>
                 <a:endParaRPr lang="en-US" altLang="zh-CN" dirty="0"/>
               </a:p>
               <a:p>
-                <a:pPr/>
                 <a:endParaRPr lang="en-US" altLang="zh-CN" dirty="0"/>
               </a:p>
             </p:txBody>
           </p:sp>
         </mc:Choice>
-        <mc:Fallback>
+        <mc:Fallback xmlns="">
           <p:sp>
             <p:nvSpPr>
               <p:cNvPr id="24" name="文本框 23"/>
@@ -15606,6 +17651,186 @@
           </a:prstGeom>
         </p:spPr>
       </p:pic>
+      <p:sp>
+        <p:nvSpPr>
+          <p:cNvPr id="4" name="文本框 3"/>
+          <p:cNvSpPr txBox="1"/>
+          <p:nvPr/>
+        </p:nvSpPr>
+        <p:spPr>
+          <a:xfrm>
+            <a:off x="8264769" y="3534507"/>
+            <a:ext cx="2540977" cy="369332"/>
+          </a:xfrm>
+          <a:prstGeom prst="rect">
+            <a:avLst/>
+          </a:prstGeom>
+          <a:noFill/>
+        </p:spPr>
+        <p:txBody>
+          <a:bodyPr wrap="square" rtlCol="0">
+            <a:spAutoFit/>
+          </a:bodyPr>
+          <a:lstStyle/>
+          <a:p>
+            <a:r>
+              <a:rPr lang="en-US" altLang="zh-CN" dirty="0"/>
+              <a:t>k</a:t>
+            </a:r>
+            <a:endParaRPr lang="zh-CN" altLang="en-US" dirty="0"/>
+          </a:p>
+        </p:txBody>
+      </p:sp>
+      <p:sp>
+        <p:nvSpPr>
+          <p:cNvPr id="8" name="文本框 7"/>
+          <p:cNvSpPr txBox="1"/>
+          <p:nvPr/>
+        </p:nvSpPr>
+        <p:spPr>
+          <a:xfrm>
+            <a:off x="5414671" y="4917127"/>
+            <a:ext cx="571501" cy="369332"/>
+          </a:xfrm>
+          <a:prstGeom prst="rect">
+            <a:avLst/>
+          </a:prstGeom>
+          <a:noFill/>
+        </p:spPr>
+        <p:txBody>
+          <a:bodyPr wrap="square" rtlCol="0">
+            <a:spAutoFit/>
+          </a:bodyPr>
+          <a:lstStyle/>
+          <a:p>
+            <a:r>
+              <a:rPr lang="en-US" altLang="zh-CN" dirty="0" smtClean="0"/>
+              <a:t>q</a:t>
+            </a:r>
+            <a:endParaRPr lang="zh-CN" altLang="en-US" dirty="0"/>
+          </a:p>
+        </p:txBody>
+      </p:sp>
+      <mc:AlternateContent xmlns:mc="http://schemas.openxmlformats.org/markup-compatibility/2006">
+        <mc:Choice xmlns:a14="http://schemas.microsoft.com/office/drawing/2010/main" Requires="a14">
+          <p:sp>
+            <p:nvSpPr>
+              <p:cNvPr id="10" name="文本框 9"/>
+              <p:cNvSpPr txBox="1"/>
+              <p:nvPr/>
+            </p:nvSpPr>
+            <p:spPr>
+              <a:xfrm>
+                <a:off x="5630250" y="4356563"/>
+                <a:ext cx="492370" cy="374270"/>
+              </a:xfrm>
+              <a:prstGeom prst="rect">
+                <a:avLst/>
+              </a:prstGeom>
+              <a:noFill/>
+            </p:spPr>
+            <p:txBody>
+              <a:bodyPr wrap="square" rtlCol="0">
+                <a:spAutoFit/>
+              </a:bodyPr>
+              <a:lstStyle/>
+              <a:p>
+                <a14:m>
+                  <m:oMathPara xmlns:m="http://schemas.openxmlformats.org/officeDocument/2006/math">
+                    <m:oMathParaPr>
+                      <m:jc m:val="centerGroup"/>
+                    </m:oMathParaPr>
+                    <m:oMath xmlns:m="http://schemas.openxmlformats.org/officeDocument/2006/math">
+                      <m:sSup>
+                        <m:sSupPr>
+                          <m:ctrlPr>
+                            <a:rPr lang="en-US" altLang="zh-CN" i="1" smtClean="0">
+                              <a:solidFill>
+                                <a:srgbClr val="FF0000"/>
+                              </a:solidFill>
+                              <a:latin typeface="Cambria Math" panose="02040503050406030204" pitchFamily="18" charset="0"/>
+                            </a:rPr>
+                          </m:ctrlPr>
+                        </m:sSupPr>
+                        <m:e>
+                          <m:r>
+                            <a:rPr lang="en-US" altLang="zh-CN" i="1">
+                              <a:solidFill>
+                                <a:srgbClr val="FF0000"/>
+                              </a:solidFill>
+                              <a:latin typeface="Cambria Math" panose="02040503050406030204" pitchFamily="18" charset="0"/>
+                            </a:rPr>
+                            <m:t>𝑞</m:t>
+                          </m:r>
+                        </m:e>
+                        <m:sup>
+                          <m:r>
+                            <a:rPr lang="en-US" altLang="zh-CN" i="1">
+                              <a:solidFill>
+                                <a:srgbClr val="FF0000"/>
+                              </a:solidFill>
+                              <a:latin typeface="Cambria Math" panose="02040503050406030204" pitchFamily="18" charset="0"/>
+                            </a:rPr>
+                            <m:t>𝑘</m:t>
+                          </m:r>
+                          <m:r>
+                            <a:rPr lang="en-US" altLang="zh-CN" i="1">
+                              <a:solidFill>
+                                <a:srgbClr val="FF0000"/>
+                              </a:solidFill>
+                              <a:latin typeface="Cambria Math" panose="02040503050406030204" pitchFamily="18" charset="0"/>
+                            </a:rPr>
+                            <m:t>−2</m:t>
+                          </m:r>
+                        </m:sup>
+                      </m:sSup>
+                    </m:oMath>
+                  </m:oMathPara>
+                </a14:m>
+                <a:endParaRPr lang="zh-CN" altLang="en-US" dirty="0"/>
+              </a:p>
+            </p:txBody>
+          </p:sp>
+        </mc:Choice>
+        <mc:Fallback>
+          <p:sp>
+            <p:nvSpPr>
+              <p:cNvPr id="10" name="文本框 9"/>
+              <p:cNvSpPr txBox="1">
+                <a:spLocks noRot="1" noChangeAspect="1" noMove="1" noResize="1" noEditPoints="1" noAdjustHandles="1" noChangeArrowheads="1" noChangeShapeType="1" noTextEdit="1"/>
+              </p:cNvSpPr>
+              <p:nvPr/>
+            </p:nvSpPr>
+            <p:spPr>
+              <a:xfrm>
+                <a:off x="5630250" y="4356563"/>
+                <a:ext cx="492370" cy="374270"/>
+              </a:xfrm>
+              <a:prstGeom prst="rect">
+                <a:avLst/>
+              </a:prstGeom>
+              <a:blipFill>
+                <a:blip r:embed="rId6"/>
+                <a:stretch>
+                  <a:fillRect r="-23750" b="-8197"/>
+                </a:stretch>
+              </a:blipFill>
+            </p:spPr>
+            <p:txBody>
+              <a:bodyPr/>
+              <a:lstStyle/>
+              <a:p>
+                <a:r>
+                  <a:rPr lang="zh-CN" altLang="en-US">
+                    <a:noFill/>
+                  </a:rPr>
+                  <a:t> </a:t>
+                </a:r>
+              </a:p>
+            </p:txBody>
+          </p:sp>
+        </mc:Fallback>
+      </mc:AlternateContent>
     </p:spTree>
     <p:extLst>
       <p:ext uri="{BB962C8B-B14F-4D97-AF65-F5344CB8AC3E}">
